--- a/Slides/Lecture 4-1.pptx
+++ b/Slides/Lecture 4-1.pptx
@@ -241,7 +241,7 @@
             <a:fld id="{A6781D3C-003D-4837-A496-9A32CDA8003A}" type="datetimeFigureOut">
               <a:rPr lang="en-US" smtClean="0"/>
               <a:pPr/>
-              <a:t>1/20/2019</a:t>
+              <a:t>3/18/19</a:t>
             </a:fld>
             <a:endParaRPr lang="en-US"/>
           </a:p>
@@ -305,38 +305,37 @@
           <a:p>
             <a:pPr lvl="0"/>
             <a:r>
-              <a:rPr lang="en-US" smtClean="0"/>
+              <a:rPr lang="en-US"/>
               <a:t>Click to edit Master text styles</a:t>
             </a:r>
           </a:p>
           <a:p>
             <a:pPr lvl="1"/>
             <a:r>
-              <a:rPr lang="en-US" smtClean="0"/>
+              <a:rPr lang="en-US"/>
               <a:t>Second level</a:t>
             </a:r>
           </a:p>
           <a:p>
             <a:pPr lvl="2"/>
             <a:r>
-              <a:rPr lang="en-US" smtClean="0"/>
+              <a:rPr lang="en-US"/>
               <a:t>Third level</a:t>
             </a:r>
           </a:p>
           <a:p>
             <a:pPr lvl="3"/>
             <a:r>
-              <a:rPr lang="en-US" smtClean="0"/>
+              <a:rPr lang="en-US"/>
               <a:t>Fourth level</a:t>
             </a:r>
           </a:p>
           <a:p>
             <a:pPr lvl="4"/>
             <a:r>
-              <a:rPr lang="en-US" smtClean="0"/>
+              <a:rPr lang="en-US"/>
               <a:t>Fifth level</a:t>
             </a:r>
-            <a:endParaRPr lang="en-US"/>
           </a:p>
         </p:txBody>
       </p:sp>
@@ -555,11 +554,11 @@
           <a:lstStyle/>
           <a:p>
             <a:r>
-              <a:rPr lang="en-US" dirty="0" smtClean="0"/>
+              <a:rPr lang="en-US" dirty="0"/>
               <a:t>CHECK</a:t>
             </a:r>
             <a:r>
-              <a:rPr lang="en-US" baseline="0" dirty="0" smtClean="0"/>
+              <a:rPr lang="en-US" baseline="0" dirty="0"/>
               <a:t> ATTRIBUTIONS</a:t>
             </a:r>
             <a:endParaRPr lang="en-US" dirty="0"/>
@@ -646,7 +645,14 @@
           <a:bodyPr/>
           <a:lstStyle/>
           <a:p>
-            <a:endParaRPr lang="en-US" dirty="0"/>
+            <a:r>
+              <a:rPr lang="zh-CN" altLang="en-US" dirty="0"/>
+              <a:t>辅音字母。</a:t>
+            </a:r>
+            <a:endParaRPr lang="en-US" altLang="zh-CN"/>
+          </a:p>
+          <a:p>
+            <a:endParaRPr lang="en-US"/>
           </a:p>
         </p:txBody>
       </p:sp>
@@ -657,7 +663,7 @@
             <a:spLocks noGrp="1"/>
           </p:cNvSpPr>
           <p:nvPr>
-            <p:ph type="sldNum" sz="quarter" idx="10"/>
+            <p:ph type="sldNum" sz="quarter" idx="5"/>
           </p:nvPr>
         </p:nvSpPr>
         <p:spPr/>
@@ -667,7 +673,8 @@
           <a:p>
             <a:fld id="{6529D11D-5857-48CF-ABB8-89B8AC9FD03C}" type="slidenum">
               <a:rPr lang="en-US" smtClean="0"/>
-              <a:t>5</a:t>
+              <a:pPr/>
+              <a:t>4</a:t>
             </a:fld>
             <a:endParaRPr lang="en-US"/>
           </a:p>
@@ -676,7 +683,7 @@
     </p:spTree>
     <p:extLst>
       <p:ext uri="{BB962C8B-B14F-4D97-AF65-F5344CB8AC3E}">
-        <p14:creationId xmlns:p14="http://schemas.microsoft.com/office/powerpoint/2010/main" val="1524009034"/>
+        <p14:creationId xmlns:p14="http://schemas.microsoft.com/office/powerpoint/2010/main" val="158369559"/>
       </p:ext>
     </p:extLst>
   </p:cSld>
@@ -730,12 +737,6 @@
           <a:bodyPr/>
           <a:lstStyle/>
           <a:p>
-            <a:r>
-              <a:rPr lang="en-US" dirty="0" smtClean="0"/>
-              <a:t>Attribution?</a:t>
-            </a:r>
-          </a:p>
-          <a:p>
             <a:endParaRPr lang="en-US" dirty="0"/>
           </a:p>
         </p:txBody>
@@ -757,7 +758,7 @@
           <a:p>
             <a:fld id="{6529D11D-5857-48CF-ABB8-89B8AC9FD03C}" type="slidenum">
               <a:rPr lang="en-US" smtClean="0"/>
-              <a:t>6</a:t>
+              <a:t>5</a:t>
             </a:fld>
             <a:endParaRPr lang="en-US"/>
           </a:p>
@@ -821,9 +822,11 @@
           <a:lstStyle/>
           <a:p>
             <a:r>
-              <a:rPr lang="en-US" dirty="0" smtClean="0"/>
-              <a:t>REDRAW</a:t>
-            </a:r>
+              <a:rPr lang="en-US" dirty="0"/>
+              <a:t>Attribution?</a:t>
+            </a:r>
+          </a:p>
+          <a:p>
             <a:endParaRPr lang="en-US" dirty="0"/>
           </a:p>
         </p:txBody>
@@ -845,7 +848,7 @@
           <a:p>
             <a:fld id="{6529D11D-5857-48CF-ABB8-89B8AC9FD03C}" type="slidenum">
               <a:rPr lang="en-US" smtClean="0"/>
-              <a:t>8</a:t>
+              <a:t>6</a:t>
             </a:fld>
             <a:endParaRPr lang="en-US"/>
           </a:p>
@@ -854,7 +857,7 @@
     </p:spTree>
     <p:extLst>
       <p:ext uri="{BB962C8B-B14F-4D97-AF65-F5344CB8AC3E}">
-        <p14:creationId xmlns:p14="http://schemas.microsoft.com/office/powerpoint/2010/main" val="1290280306"/>
+        <p14:creationId xmlns:p14="http://schemas.microsoft.com/office/powerpoint/2010/main" val="1524009034"/>
       </p:ext>
     </p:extLst>
   </p:cSld>
@@ -908,7 +911,10 @@
           <a:bodyPr/>
           <a:lstStyle/>
           <a:p>
-            <a:endParaRPr lang="en-US" dirty="0"/>
+            <a:r>
+              <a:rPr lang="en-US" dirty="0"/>
+              <a:t>REDRAW</a:t>
+            </a:r>
           </a:p>
         </p:txBody>
       </p:sp>
@@ -929,7 +935,7 @@
           <a:p>
             <a:fld id="{6529D11D-5857-48CF-ABB8-89B8AC9FD03C}" type="slidenum">
               <a:rPr lang="en-US" smtClean="0"/>
-              <a:t>10</a:t>
+              <a:t>8</a:t>
             </a:fld>
             <a:endParaRPr lang="en-US"/>
           </a:p>
@@ -938,7 +944,7 @@
     </p:spTree>
     <p:extLst>
       <p:ext uri="{BB962C8B-B14F-4D97-AF65-F5344CB8AC3E}">
-        <p14:creationId xmlns:p14="http://schemas.microsoft.com/office/powerpoint/2010/main" val="956351797"/>
+        <p14:creationId xmlns:p14="http://schemas.microsoft.com/office/powerpoint/2010/main" val="1290280306"/>
       </p:ext>
     </p:extLst>
   </p:cSld>
@@ -1013,7 +1019,7 @@
           <a:p>
             <a:fld id="{6529D11D-5857-48CF-ABB8-89B8AC9FD03C}" type="slidenum">
               <a:rPr lang="en-US" smtClean="0"/>
-              <a:t>29</a:t>
+              <a:t>10</a:t>
             </a:fld>
             <a:endParaRPr lang="en-US"/>
           </a:p>
@@ -1022,7 +1028,7 @@
     </p:spTree>
     <p:extLst>
       <p:ext uri="{BB962C8B-B14F-4D97-AF65-F5344CB8AC3E}">
-        <p14:creationId xmlns:p14="http://schemas.microsoft.com/office/powerpoint/2010/main" val="1524009034"/>
+        <p14:creationId xmlns:p14="http://schemas.microsoft.com/office/powerpoint/2010/main" val="956351797"/>
       </p:ext>
     </p:extLst>
   </p:cSld>
@@ -1076,8 +1082,92 @@
           <a:bodyPr/>
           <a:lstStyle/>
           <a:p>
-            <a:r>
-              <a:rPr lang="en-US" dirty="0" smtClean="0"/>
+            <a:endParaRPr lang="en-US" dirty="0"/>
+          </a:p>
+        </p:txBody>
+      </p:sp>
+      <p:sp>
+        <p:nvSpPr>
+          <p:cNvPr id="4" name="Slide Number Placeholder 3"/>
+          <p:cNvSpPr>
+            <a:spLocks noGrp="1"/>
+          </p:cNvSpPr>
+          <p:nvPr>
+            <p:ph type="sldNum" sz="quarter" idx="10"/>
+          </p:nvPr>
+        </p:nvSpPr>
+        <p:spPr/>
+        <p:txBody>
+          <a:bodyPr/>
+          <a:lstStyle/>
+          <a:p>
+            <a:fld id="{6529D11D-5857-48CF-ABB8-89B8AC9FD03C}" type="slidenum">
+              <a:rPr lang="en-US" smtClean="0"/>
+              <a:t>29</a:t>
+            </a:fld>
+            <a:endParaRPr lang="en-US"/>
+          </a:p>
+        </p:txBody>
+      </p:sp>
+    </p:spTree>
+    <p:extLst>
+      <p:ext uri="{BB962C8B-B14F-4D97-AF65-F5344CB8AC3E}">
+        <p14:creationId xmlns:p14="http://schemas.microsoft.com/office/powerpoint/2010/main" val="1524009034"/>
+      </p:ext>
+    </p:extLst>
+  </p:cSld>
+  <p:clrMapOvr>
+    <a:masterClrMapping/>
+  </p:clrMapOvr>
+</p:notes>
+</file>
+
+<file path=ppt/notesSlides/notesSlide8.xml><?xml version="1.0" encoding="utf-8"?>
+<p:notes xmlns:a="http://schemas.openxmlformats.org/drawingml/2006/main" xmlns:r="http://schemas.openxmlformats.org/officeDocument/2006/relationships" xmlns:p="http://schemas.openxmlformats.org/presentationml/2006/main">
+  <p:cSld>
+    <p:spTree>
+      <p:nvGrpSpPr>
+        <p:cNvPr id="1" name=""/>
+        <p:cNvGrpSpPr/>
+        <p:nvPr/>
+      </p:nvGrpSpPr>
+      <p:grpSpPr>
+        <a:xfrm>
+          <a:off x="0" y="0"/>
+          <a:ext cx="0" cy="0"/>
+          <a:chOff x="0" y="0"/>
+          <a:chExt cx="0" cy="0"/>
+        </a:xfrm>
+      </p:grpSpPr>
+      <p:sp>
+        <p:nvSpPr>
+          <p:cNvPr id="2" name="Slide Image Placeholder 1"/>
+          <p:cNvSpPr>
+            <a:spLocks noGrp="1" noRot="1" noChangeAspect="1"/>
+          </p:cNvSpPr>
+          <p:nvPr>
+            <p:ph type="sldImg"/>
+          </p:nvPr>
+        </p:nvSpPr>
+        <p:spPr/>
+      </p:sp>
+      <p:sp>
+        <p:nvSpPr>
+          <p:cNvPr id="3" name="Notes Placeholder 2"/>
+          <p:cNvSpPr>
+            <a:spLocks noGrp="1"/>
+          </p:cNvSpPr>
+          <p:nvPr>
+            <p:ph type="body" idx="1"/>
+          </p:nvPr>
+        </p:nvSpPr>
+        <p:spPr/>
+        <p:txBody>
+          <a:bodyPr/>
+          <a:lstStyle/>
+          <a:p>
+            <a:r>
+              <a:rPr lang="en-US" dirty="0"/>
               <a:t>Add titles</a:t>
             </a:r>
           </a:p>
@@ -1187,10 +1277,9 @@
           </a:lstStyle>
           <a:p>
             <a:r>
-              <a:rPr lang="en-US" dirty="0" smtClean="0"/>
+              <a:rPr lang="en-US" dirty="0"/>
               <a:t>Click to edit Master title style</a:t>
             </a:r>
-            <a:endParaRPr lang="en-US" dirty="0"/>
           </a:p>
         </p:txBody>
       </p:sp>
@@ -1315,10 +1404,9 @@
           </a:lstStyle>
           <a:p>
             <a:r>
-              <a:rPr lang="en-US" dirty="0" smtClean="0"/>
+              <a:rPr lang="en-US" dirty="0"/>
               <a:t>Click to edit Master subtitle style</a:t>
             </a:r>
-            <a:endParaRPr lang="en-US" dirty="0"/>
           </a:p>
         </p:txBody>
       </p:sp>
@@ -1373,10 +1461,9 @@
           <a:lstStyle/>
           <a:p>
             <a:r>
-              <a:rPr lang="en-US" smtClean="0"/>
+              <a:rPr lang="en-US"/>
               <a:t>Click to edit Master title style</a:t>
             </a:r>
-            <a:endParaRPr lang="en-US"/>
           </a:p>
         </p:txBody>
       </p:sp>
@@ -1438,10 +1525,9 @@
           </a:lstStyle>
           <a:p>
             <a:r>
-              <a:rPr lang="en-US" smtClean="0"/>
+              <a:rPr lang="en-US"/>
               <a:t>Click to edit Master subtitle style</a:t>
             </a:r>
-            <a:endParaRPr lang="en-US"/>
           </a:p>
         </p:txBody>
       </p:sp>
@@ -1547,13 +1633,6 @@
   <p:clrMapOvr>
     <a:masterClrMapping/>
   </p:clrMapOvr>
-  <p:timing>
-    <p:tnLst>
-      <p:par>
-        <p:cTn id="1" dur="indefinite" restart="never" nodeType="tmRoot"/>
-      </p:par>
-    </p:tnLst>
-  </p:timing>
 </p:sldLayout>
 </file>
 
@@ -1597,10 +1676,9 @@
           </a:lstStyle>
           <a:p>
             <a:r>
-              <a:rPr lang="en-US" dirty="0" smtClean="0"/>
+              <a:rPr lang="en-US" dirty="0"/>
               <a:t>Click to edit Master title style</a:t>
             </a:r>
-            <a:endParaRPr lang="en-US" dirty="0"/>
           </a:p>
         </p:txBody>
       </p:sp>
@@ -1652,38 +1730,37 @@
           <a:p>
             <a:pPr lvl="0"/>
             <a:r>
-              <a:rPr lang="en-US" dirty="0" smtClean="0"/>
+              <a:rPr lang="en-US" dirty="0"/>
               <a:t>Click to edit Master text styles</a:t>
             </a:r>
           </a:p>
           <a:p>
             <a:pPr lvl="1"/>
             <a:r>
-              <a:rPr lang="en-US" dirty="0" smtClean="0"/>
+              <a:rPr lang="en-US" dirty="0"/>
               <a:t>Second level</a:t>
             </a:r>
           </a:p>
           <a:p>
             <a:pPr lvl="2"/>
             <a:r>
-              <a:rPr lang="en-US" dirty="0" smtClean="0"/>
+              <a:rPr lang="en-US" dirty="0"/>
               <a:t>Third level</a:t>
             </a:r>
           </a:p>
           <a:p>
             <a:pPr lvl="3"/>
             <a:r>
-              <a:rPr lang="en-US" dirty="0" smtClean="0"/>
+              <a:rPr lang="en-US" dirty="0"/>
               <a:t>Fourth level</a:t>
             </a:r>
           </a:p>
           <a:p>
             <a:pPr lvl="4"/>
             <a:r>
-              <a:rPr lang="en-US" dirty="0" smtClean="0"/>
+              <a:rPr lang="en-US" dirty="0"/>
               <a:t>Fifth level</a:t>
             </a:r>
-            <a:endParaRPr lang="en-US" dirty="0"/>
           </a:p>
         </p:txBody>
       </p:sp>
@@ -1956,13 +2033,6 @@
   <p:clrMapOvr>
     <a:masterClrMapping/>
   </p:clrMapOvr>
-  <p:timing>
-    <p:tnLst>
-      <p:par>
-        <p:cTn id="1" dur="indefinite" restart="never" nodeType="tmRoot"/>
-      </p:par>
-    </p:tnLst>
-  </p:timing>
 </p:sldLayout>
 </file>
 
@@ -2024,10 +2094,9 @@
           </a:lstStyle>
           <a:p>
             <a:r>
-              <a:rPr lang="en-US" dirty="0" smtClean="0"/>
+              <a:rPr lang="en-US" dirty="0"/>
               <a:t>Click to edit Master title style</a:t>
             </a:r>
-            <a:endParaRPr lang="en-US" dirty="0"/>
           </a:p>
         </p:txBody>
       </p:sp>
@@ -2053,35 +2122,35 @@
           <a:p>
             <a:pPr lvl="0"/>
             <a:r>
-              <a:rPr lang="en-US" smtClean="0"/>
+              <a:rPr lang="en-US"/>
               <a:t>Click to edit Master text styles</a:t>
             </a:r>
           </a:p>
           <a:p>
             <a:pPr lvl="1"/>
             <a:r>
-              <a:rPr lang="en-US" smtClean="0"/>
+              <a:rPr lang="en-US"/>
               <a:t>Second level</a:t>
             </a:r>
           </a:p>
           <a:p>
             <a:pPr lvl="2"/>
             <a:r>
-              <a:rPr lang="en-US" smtClean="0"/>
+              <a:rPr lang="en-US"/>
               <a:t>Third level</a:t>
             </a:r>
           </a:p>
           <a:p>
             <a:pPr lvl="3"/>
             <a:r>
-              <a:rPr lang="en-US" smtClean="0"/>
+              <a:rPr lang="en-US"/>
               <a:t>Fourth level</a:t>
             </a:r>
           </a:p>
           <a:p>
             <a:pPr lvl="4"/>
             <a:r>
-              <a:rPr lang="en-US" smtClean="0"/>
+              <a:rPr lang="en-US"/>
               <a:t>Fifth level</a:t>
             </a:r>
             <a:endParaRPr lang="en-US" dirty="0"/>
@@ -2150,7 +2219,7 @@
           </a:lstStyle>
           <a:p>
             <a:r>
-              <a:rPr lang="en-US" smtClean="0"/>
+              <a:rPr lang="en-US"/>
               <a:t>Click to edit Master title style</a:t>
             </a:r>
             <a:endParaRPr lang="en-US" dirty="0"/>
@@ -2270,7 +2339,7 @@
           <a:p>
             <a:pPr lvl="0"/>
             <a:r>
-              <a:rPr lang="en-US" smtClean="0"/>
+              <a:rPr lang="en-US"/>
               <a:t>Click to edit Master text styles</a:t>
             </a:r>
           </a:p>
@@ -2340,7 +2409,7 @@
           </a:lstStyle>
           <a:p>
             <a:r>
-              <a:rPr lang="en-US" smtClean="0"/>
+              <a:rPr lang="en-US"/>
               <a:t>Click to edit Master title style</a:t>
             </a:r>
             <a:endParaRPr lang="en-US" dirty="0"/>
@@ -2415,35 +2484,35 @@
           <a:p>
             <a:pPr lvl="0"/>
             <a:r>
-              <a:rPr lang="en-US" smtClean="0"/>
+              <a:rPr lang="en-US"/>
               <a:t>Click to edit Master text styles</a:t>
             </a:r>
           </a:p>
           <a:p>
             <a:pPr lvl="1"/>
             <a:r>
-              <a:rPr lang="en-US" smtClean="0"/>
+              <a:rPr lang="en-US"/>
               <a:t>Second level</a:t>
             </a:r>
           </a:p>
           <a:p>
             <a:pPr lvl="2"/>
             <a:r>
-              <a:rPr lang="en-US" smtClean="0"/>
+              <a:rPr lang="en-US"/>
               <a:t>Third level</a:t>
             </a:r>
           </a:p>
           <a:p>
             <a:pPr lvl="3"/>
             <a:r>
-              <a:rPr lang="en-US" smtClean="0"/>
+              <a:rPr lang="en-US"/>
               <a:t>Fourth level</a:t>
             </a:r>
           </a:p>
           <a:p>
             <a:pPr lvl="4"/>
             <a:r>
-              <a:rPr lang="en-US" smtClean="0"/>
+              <a:rPr lang="en-US"/>
               <a:t>Fifth level</a:t>
             </a:r>
             <a:endParaRPr lang="en-US" dirty="0"/>
@@ -2518,35 +2587,35 @@
           <a:p>
             <a:pPr lvl="0"/>
             <a:r>
-              <a:rPr lang="en-US" smtClean="0"/>
+              <a:rPr lang="en-US"/>
               <a:t>Click to edit Master text styles</a:t>
             </a:r>
           </a:p>
           <a:p>
             <a:pPr lvl="1"/>
             <a:r>
-              <a:rPr lang="en-US" smtClean="0"/>
+              <a:rPr lang="en-US"/>
               <a:t>Second level</a:t>
             </a:r>
           </a:p>
           <a:p>
             <a:pPr lvl="2"/>
             <a:r>
-              <a:rPr lang="en-US" smtClean="0"/>
+              <a:rPr lang="en-US"/>
               <a:t>Third level</a:t>
             </a:r>
           </a:p>
           <a:p>
             <a:pPr lvl="3"/>
             <a:r>
-              <a:rPr lang="en-US" smtClean="0"/>
+              <a:rPr lang="en-US"/>
               <a:t>Fourth level</a:t>
             </a:r>
           </a:p>
           <a:p>
             <a:pPr lvl="4"/>
             <a:r>
-              <a:rPr lang="en-US" smtClean="0"/>
+              <a:rPr lang="en-US"/>
               <a:t>Fifth level</a:t>
             </a:r>
             <a:endParaRPr lang="en-US" dirty="0"/>
@@ -2617,7 +2686,7 @@
           </a:lstStyle>
           <a:p>
             <a:r>
-              <a:rPr lang="en-US" smtClean="0"/>
+              <a:rPr lang="en-US"/>
               <a:t>Click to edit Master title style</a:t>
             </a:r>
             <a:endParaRPr lang="en-US" dirty="0"/>
@@ -2692,7 +2761,7 @@
           <a:p>
             <a:pPr lvl="0"/>
             <a:r>
-              <a:rPr lang="en-US" smtClean="0"/>
+              <a:rPr lang="en-US"/>
               <a:t>Click to edit Master text styles</a:t>
             </a:r>
           </a:p>
@@ -2763,35 +2832,35 @@
           <a:p>
             <a:pPr lvl="0"/>
             <a:r>
-              <a:rPr lang="en-US" smtClean="0"/>
+              <a:rPr lang="en-US"/>
               <a:t>Click to edit Master text styles</a:t>
             </a:r>
           </a:p>
           <a:p>
             <a:pPr lvl="1"/>
             <a:r>
-              <a:rPr lang="en-US" smtClean="0"/>
+              <a:rPr lang="en-US"/>
               <a:t>Second level</a:t>
             </a:r>
           </a:p>
           <a:p>
             <a:pPr lvl="2"/>
             <a:r>
-              <a:rPr lang="en-US" smtClean="0"/>
+              <a:rPr lang="en-US"/>
               <a:t>Third level</a:t>
             </a:r>
           </a:p>
           <a:p>
             <a:pPr lvl="3"/>
             <a:r>
-              <a:rPr lang="en-US" smtClean="0"/>
+              <a:rPr lang="en-US"/>
               <a:t>Fourth level</a:t>
             </a:r>
           </a:p>
           <a:p>
             <a:pPr lvl="4"/>
             <a:r>
-              <a:rPr lang="en-US" smtClean="0"/>
+              <a:rPr lang="en-US"/>
               <a:t>Fifth level</a:t>
             </a:r>
             <a:endParaRPr lang="en-US" dirty="0"/>
@@ -2866,7 +2935,7 @@
           <a:p>
             <a:pPr lvl="0"/>
             <a:r>
-              <a:rPr lang="en-US" smtClean="0"/>
+              <a:rPr lang="en-US"/>
               <a:t>Click to edit Master text styles</a:t>
             </a:r>
           </a:p>
@@ -2937,35 +3006,35 @@
           <a:p>
             <a:pPr lvl="0"/>
             <a:r>
-              <a:rPr lang="en-US" smtClean="0"/>
+              <a:rPr lang="en-US"/>
               <a:t>Click to edit Master text styles</a:t>
             </a:r>
           </a:p>
           <a:p>
             <a:pPr lvl="1"/>
             <a:r>
-              <a:rPr lang="en-US" smtClean="0"/>
+              <a:rPr lang="en-US"/>
               <a:t>Second level</a:t>
             </a:r>
           </a:p>
           <a:p>
             <a:pPr lvl="2"/>
             <a:r>
-              <a:rPr lang="en-US" smtClean="0"/>
+              <a:rPr lang="en-US"/>
               <a:t>Third level</a:t>
             </a:r>
           </a:p>
           <a:p>
             <a:pPr lvl="3"/>
             <a:r>
-              <a:rPr lang="en-US" smtClean="0"/>
+              <a:rPr lang="en-US"/>
               <a:t>Fourth level</a:t>
             </a:r>
           </a:p>
           <a:p>
             <a:pPr lvl="4"/>
             <a:r>
-              <a:rPr lang="en-US" smtClean="0"/>
+              <a:rPr lang="en-US"/>
               <a:t>Fifth level</a:t>
             </a:r>
             <a:endParaRPr lang="en-US" dirty="0"/>
@@ -3036,7 +3105,7 @@
           </a:lstStyle>
           <a:p>
             <a:r>
-              <a:rPr lang="en-US" smtClean="0"/>
+              <a:rPr lang="en-US"/>
               <a:t>Click to edit Master title style</a:t>
             </a:r>
             <a:endParaRPr lang="en-US" dirty="0"/>
@@ -3137,7 +3206,7 @@
           </a:lstStyle>
           <a:p>
             <a:r>
-              <a:rPr lang="en-US" smtClean="0"/>
+              <a:rPr lang="en-US"/>
               <a:t>Click to edit Master title style</a:t>
             </a:r>
             <a:endParaRPr lang="en-US" dirty="0"/>
@@ -3212,35 +3281,35 @@
           <a:p>
             <a:pPr lvl="0"/>
             <a:r>
-              <a:rPr lang="en-US" smtClean="0"/>
+              <a:rPr lang="en-US"/>
               <a:t>Click to edit Master text styles</a:t>
             </a:r>
           </a:p>
           <a:p>
             <a:pPr lvl="1"/>
             <a:r>
-              <a:rPr lang="en-US" smtClean="0"/>
+              <a:rPr lang="en-US"/>
               <a:t>Second level</a:t>
             </a:r>
           </a:p>
           <a:p>
             <a:pPr lvl="2"/>
             <a:r>
-              <a:rPr lang="en-US" smtClean="0"/>
+              <a:rPr lang="en-US"/>
               <a:t>Third level</a:t>
             </a:r>
           </a:p>
           <a:p>
             <a:pPr lvl="3"/>
             <a:r>
-              <a:rPr lang="en-US" smtClean="0"/>
+              <a:rPr lang="en-US"/>
               <a:t>Fourth level</a:t>
             </a:r>
           </a:p>
           <a:p>
             <a:pPr lvl="4"/>
             <a:r>
-              <a:rPr lang="en-US" smtClean="0"/>
+              <a:rPr lang="en-US"/>
               <a:t>Fifth level</a:t>
             </a:r>
             <a:endParaRPr lang="en-US" dirty="0"/>
@@ -3312,7 +3381,7 @@
           <a:p>
             <a:pPr lvl="0"/>
             <a:r>
-              <a:rPr lang="en-US" smtClean="0"/>
+              <a:rPr lang="en-US"/>
               <a:t>Click to edit Master text styles</a:t>
             </a:r>
           </a:p>
@@ -3382,7 +3451,7 @@
           </a:lstStyle>
           <a:p>
             <a:r>
-              <a:rPr lang="en-US" smtClean="0"/>
+              <a:rPr lang="en-US"/>
               <a:t>Click to edit Master title style</a:t>
             </a:r>
             <a:endParaRPr lang="en-US" dirty="0"/>
@@ -3447,10 +3516,9 @@
           </a:lstStyle>
           <a:p>
             <a:r>
-              <a:rPr lang="en-US" smtClean="0"/>
+              <a:rPr lang="en-US"/>
               <a:t>Click icon to add picture</a:t>
             </a:r>
-            <a:endParaRPr lang="en-US"/>
           </a:p>
         </p:txBody>
       </p:sp>
@@ -3519,7 +3587,7 @@
           <a:p>
             <a:pPr lvl="0"/>
             <a:r>
-              <a:rPr lang="en-US" smtClean="0"/>
+              <a:rPr lang="en-US"/>
               <a:t>Click to edit Master text styles</a:t>
             </a:r>
           </a:p>
@@ -3590,35 +3658,35 @@
           <a:p>
             <a:pPr lvl="0"/>
             <a:r>
-              <a:rPr lang="en-US" smtClean="0"/>
+              <a:rPr lang="en-US"/>
               <a:t>Click to edit Master text styles</a:t>
             </a:r>
           </a:p>
           <a:p>
             <a:pPr lvl="1"/>
             <a:r>
-              <a:rPr lang="en-US" smtClean="0"/>
+              <a:rPr lang="en-US"/>
               <a:t>Second level</a:t>
             </a:r>
           </a:p>
           <a:p>
             <a:pPr lvl="2"/>
             <a:r>
-              <a:rPr lang="en-US" smtClean="0"/>
+              <a:rPr lang="en-US"/>
               <a:t>Third level</a:t>
             </a:r>
           </a:p>
           <a:p>
             <a:pPr lvl="3"/>
             <a:r>
-              <a:rPr lang="en-US" smtClean="0"/>
+              <a:rPr lang="en-US"/>
               <a:t>Fourth level</a:t>
             </a:r>
           </a:p>
           <a:p>
             <a:pPr lvl="4"/>
             <a:r>
-              <a:rPr lang="en-US" smtClean="0"/>
+              <a:rPr lang="en-US"/>
               <a:t>Fifth level</a:t>
             </a:r>
             <a:endParaRPr lang="en-US" dirty="0"/>
@@ -3644,13 +3712,6 @@
     <p:sldLayoutId id="2147483656" r:id="rId8"/>
     <p:sldLayoutId id="2147483657" r:id="rId9"/>
   </p:sldLayoutIdLst>
-  <p:timing>
-    <p:tnLst>
-      <p:par>
-        <p:cTn id="1" dur="indefinite" restart="never" nodeType="tmRoot"/>
-      </p:par>
-    </p:tnLst>
-  </p:timing>
   <p:txStyles>
     <p:titleStyle>
       <a:lvl1pPr algn="ctr" defTabSz="457200" rtl="0" eaLnBrk="1" latinLnBrk="0" hangingPunct="1">
@@ -4023,7 +4084,7 @@
           <a:p>
             <a:pPr lvl="0"/>
             <a:r>
-              <a:rPr lang="en-US" dirty="0" smtClean="0"/>
+              <a:rPr lang="en-US" dirty="0"/>
               <a:t>Click to edit Master title style</a:t>
             </a:r>
           </a:p>
@@ -4065,35 +4126,35 @@
           <a:p>
             <a:pPr lvl="0"/>
             <a:r>
-              <a:rPr lang="en-US" dirty="0" smtClean="0"/>
+              <a:rPr lang="en-US" dirty="0"/>
               <a:t>Click to edit Master text styles</a:t>
             </a:r>
           </a:p>
           <a:p>
             <a:pPr lvl="1"/>
             <a:r>
-              <a:rPr lang="en-US" dirty="0" smtClean="0"/>
+              <a:rPr lang="en-US" dirty="0"/>
               <a:t>Second level</a:t>
             </a:r>
           </a:p>
           <a:p>
             <a:pPr lvl="2"/>
             <a:r>
-              <a:rPr lang="en-US" dirty="0" smtClean="0"/>
+              <a:rPr lang="en-US" dirty="0"/>
               <a:t>Third level</a:t>
             </a:r>
           </a:p>
           <a:p>
             <a:pPr lvl="3"/>
             <a:r>
-              <a:rPr lang="en-US" dirty="0" smtClean="0"/>
+              <a:rPr lang="en-US" dirty="0"/>
               <a:t>Fourth level</a:t>
             </a:r>
           </a:p>
           <a:p>
             <a:pPr lvl="4"/>
             <a:r>
-              <a:rPr lang="en-US" dirty="0" smtClean="0"/>
+              <a:rPr lang="en-US" dirty="0"/>
               <a:t>Fifth level</a:t>
             </a:r>
           </a:p>
@@ -4755,14 +4816,11 @@
           <a:lstStyle/>
           <a:p>
             <a:r>
-              <a:rPr lang="en-US" sz="18000" dirty="0" smtClean="0">
+              <a:rPr lang="en-US" sz="18000" dirty="0">
                 <a:latin typeface="Rockwell Extra Bold" panose="02060903040505020403" pitchFamily="18" charset="0"/>
               </a:rPr>
               <a:t>NLP</a:t>
             </a:r>
-            <a:endParaRPr lang="en-US" sz="18000" dirty="0">
-              <a:latin typeface="Rockwell Extra Bold" panose="02060903040505020403" pitchFamily="18" charset="0"/>
-            </a:endParaRPr>
           </a:p>
         </p:txBody>
       </p:sp>
@@ -4776,13 +4834,6 @@
   <p:clrMapOvr>
     <a:masterClrMapping/>
   </p:clrMapOvr>
-  <p:timing>
-    <p:tnLst>
-      <p:par>
-        <p:cTn id="1" dur="indefinite" restart="never" nodeType="tmRoot"/>
-      </p:par>
-    </p:tnLst>
-  </p:timing>
 </p:sld>
 </file>
 
@@ -4920,10 +4971,9 @@
           <a:lstStyle/>
           <a:p>
             <a:r>
-              <a:rPr lang="en-US" dirty="0" smtClean="0"/>
+              <a:rPr lang="en-US" dirty="0"/>
               <a:t>Language Families</a:t>
             </a:r>
-            <a:endParaRPr lang="en-US" dirty="0"/>
           </a:p>
         </p:txBody>
       </p:sp>
@@ -5264,17 +5314,8 @@
               <a:rPr lang="en-US" altLang="en-US" sz="1400" dirty="0">
                 <a:latin typeface="Calibri" pitchFamily="34" charset="0"/>
               </a:rPr>
-              <a:t> (7358 </a:t>
-            </a:r>
-            <a:r>
-              <a:rPr lang="en-US" altLang="en-US" sz="1400" dirty="0" smtClean="0">
-                <a:latin typeface="Calibri" pitchFamily="34" charset="0"/>
-              </a:rPr>
-              <a:t>languages)</a:t>
-            </a:r>
-            <a:endParaRPr lang="en-US" altLang="en-US" sz="1400" dirty="0">
-              <a:latin typeface="Calibri" pitchFamily="34" charset="0"/>
-            </a:endParaRPr>
+              <a:t> (7358 languages)</a:t>
+            </a:r>
           </a:p>
         </p:txBody>
       </p:sp>
@@ -5738,12 +5779,6 @@
                 </a:rPr>
                 <a:t> (1257)</a:t>
               </a:r>
-              <a:r>
-                <a:rPr lang="en-US" altLang="en-US" sz="900" dirty="0">
-                  <a:latin typeface="Calibri" pitchFamily="34" charset="0"/>
-                </a:rPr>
-                <a:t/>
-              </a:r>
               <a:br>
                 <a:rPr lang="en-US" altLang="en-US" sz="900" dirty="0">
                   <a:latin typeface="Calibri" pitchFamily="34" charset="0"/>
@@ -5868,17 +5903,8 @@
                 <a:rPr lang="en-US" altLang="en-US" sz="900" dirty="0">
                   <a:latin typeface="Calibri" pitchFamily="34" charset="0"/>
                 </a:rPr>
-                <a:t> (2</a:t>
-              </a:r>
-              <a:r>
-                <a:rPr lang="en-US" altLang="en-US" sz="900" dirty="0" smtClean="0">
-                  <a:latin typeface="Calibri" pitchFamily="34" charset="0"/>
-                </a:rPr>
-                <a:t>)</a:t>
-              </a:r>
-              <a:endParaRPr lang="en-US" altLang="en-US" sz="900" dirty="0">
-                <a:latin typeface="Calibri" pitchFamily="34" charset="0"/>
-              </a:endParaRPr>
+                <a:t> (2)</a:t>
+              </a:r>
             </a:p>
           </p:txBody>
         </p:sp>
@@ -6057,23 +6083,17 @@
                 <a:buNone/>
               </a:pPr>
               <a:r>
-                <a:rPr lang="en-US" altLang="en-US" sz="900" dirty="0" err="1" smtClean="0">
+                <a:rPr lang="en-US" altLang="en-US" sz="900" dirty="0" err="1">
                   <a:latin typeface="Calibri" pitchFamily="34" charset="0"/>
                   <a:hlinkClick r:id="rId24"/>
                 </a:rPr>
                 <a:t>Harakmbet</a:t>
               </a:r>
               <a:r>
-                <a:rPr lang="en-US" altLang="en-US" sz="900" dirty="0" smtClean="0">
-                  <a:latin typeface="Calibri" pitchFamily="34" charset="0"/>
-                </a:rPr>
-                <a:t> </a:t>
-              </a:r>
-              <a:r>
-                <a:rPr lang="en-US" altLang="en-US" sz="900" dirty="0">
-                  <a:latin typeface="Calibri" pitchFamily="34" charset="0"/>
-                </a:rPr>
-                <a:t>(2)</a:t>
+                <a:rPr lang="en-US" altLang="en-US" sz="900" dirty="0">
+                  <a:latin typeface="Calibri" pitchFamily="34" charset="0"/>
+                </a:rPr>
+                <a:t> (2)</a:t>
               </a:r>
               <a:br>
                 <a:rPr lang="en-US" altLang="en-US" sz="900" dirty="0">
@@ -6362,12 +6382,6 @@
                   <a:latin typeface="Calibri" pitchFamily="34" charset="0"/>
                 </a:rPr>
                 <a:t> (50)</a:t>
-              </a:r>
-              <a:r>
-                <a:rPr lang="en-US" altLang="en-US" sz="900" dirty="0">
-                  <a:latin typeface="Calibri" pitchFamily="34" charset="0"/>
-                </a:rPr>
-                <a:t/>
               </a:r>
               <a:br>
                 <a:rPr lang="en-US" altLang="en-US" sz="900" dirty="0">
@@ -6645,23 +6659,17 @@
                 <a:buNone/>
               </a:pPr>
               <a:r>
-                <a:rPr lang="en-US" altLang="en-US" sz="900" dirty="0" smtClean="0">
+                <a:rPr lang="en-US" altLang="en-US" sz="900" dirty="0">
                   <a:latin typeface="Calibri" pitchFamily="34" charset="0"/>
                   <a:hlinkClick r:id="rId46"/>
                 </a:rPr>
                 <a:t>Torricelli</a:t>
               </a:r>
               <a:r>
-                <a:rPr lang="en-US" altLang="en-US" sz="900" dirty="0" smtClean="0">
-                  <a:latin typeface="Calibri" pitchFamily="34" charset="0"/>
-                </a:rPr>
-                <a:t> </a:t>
-              </a:r>
-              <a:r>
-                <a:rPr lang="en-US" altLang="en-US" sz="900" dirty="0">
-                  <a:latin typeface="Calibri" pitchFamily="34" charset="0"/>
-                </a:rPr>
-                <a:t>(56)</a:t>
+                <a:rPr lang="en-US" altLang="en-US" sz="900" dirty="0">
+                  <a:latin typeface="Calibri" pitchFamily="34" charset="0"/>
+                </a:rPr>
+                <a:t> (56)</a:t>
               </a:r>
               <a:br>
                 <a:rPr lang="en-US" altLang="en-US" sz="900" dirty="0">
@@ -6698,12 +6706,6 @@
                   <a:latin typeface="Calibri" pitchFamily="34" charset="0"/>
                 </a:rPr>
                 <a:t> (477)</a:t>
-              </a:r>
-              <a:r>
-                <a:rPr lang="en-US" altLang="en-US" sz="900" dirty="0">
-                  <a:latin typeface="Calibri" pitchFamily="34" charset="0"/>
-                </a:rPr>
-                <a:t/>
               </a:r>
               <a:br>
                 <a:rPr lang="en-US" altLang="en-US" sz="900" dirty="0">
@@ -7413,12 +7415,6 @@
                 </a:rPr>
                 <a:t> (449)</a:t>
               </a:r>
-              <a:r>
-                <a:rPr lang="en-US" altLang="en-US" sz="900" dirty="0">
-                  <a:latin typeface="Calibri" pitchFamily="34" charset="0"/>
-                </a:rPr>
-                <a:t/>
-              </a:r>
               <a:br>
                 <a:rPr lang="en-US" altLang="en-US" sz="900" dirty="0">
                   <a:latin typeface="Calibri" pitchFamily="34" charset="0"/>
@@ -7604,17 +7600,8 @@
                 <a:rPr lang="en-US" altLang="en-US" sz="900" dirty="0">
                   <a:latin typeface="Calibri" pitchFamily="34" charset="0"/>
                 </a:rPr>
-                <a:t> (24</a:t>
-              </a:r>
-              <a:r>
-                <a:rPr lang="en-US" altLang="en-US" sz="900" dirty="0" smtClean="0">
-                  <a:latin typeface="Calibri" pitchFamily="34" charset="0"/>
-                </a:rPr>
-                <a:t>)</a:t>
-              </a:r>
-              <a:endParaRPr lang="en-US" altLang="en-US" sz="900" dirty="0">
-                <a:latin typeface="Calibri" pitchFamily="34" charset="0"/>
-              </a:endParaRPr>
+                <a:t> (24)</a:t>
+              </a:r>
             </a:p>
           </p:txBody>
         </p:sp>
@@ -7832,23 +7819,17 @@
                 <a:buNone/>
               </a:pPr>
               <a:r>
-                <a:rPr lang="en-US" altLang="en-US" sz="900" dirty="0" err="1" smtClean="0">
+                <a:rPr lang="en-US" altLang="en-US" sz="900" dirty="0" err="1">
                   <a:latin typeface="Calibri" pitchFamily="34" charset="0"/>
                   <a:hlinkClick r:id="rId90"/>
                 </a:rPr>
                 <a:t>Mataco-Guaicuru</a:t>
               </a:r>
               <a:r>
-                <a:rPr lang="en-US" altLang="en-US" sz="900" dirty="0" smtClean="0">
-                  <a:latin typeface="Calibri" pitchFamily="34" charset="0"/>
-                </a:rPr>
-                <a:t> </a:t>
-              </a:r>
-              <a:r>
-                <a:rPr lang="en-US" altLang="en-US" sz="900" dirty="0">
-                  <a:latin typeface="Calibri" pitchFamily="34" charset="0"/>
-                </a:rPr>
-                <a:t>(12)</a:t>
+                <a:rPr lang="en-US" altLang="en-US" sz="900" dirty="0">
+                  <a:latin typeface="Calibri" pitchFamily="34" charset="0"/>
+                </a:rPr>
+                <a:t> (12)</a:t>
               </a:r>
               <a:br>
                 <a:rPr lang="en-US" altLang="en-US" sz="900" dirty="0">
@@ -8055,12 +8036,6 @@
                 </a:rPr>
                 <a:t> (1532)</a:t>
               </a:r>
-              <a:r>
-                <a:rPr lang="en-US" altLang="en-US" sz="900" dirty="0">
-                  <a:latin typeface="Calibri" pitchFamily="34" charset="0"/>
-                </a:rPr>
-                <a:t/>
-              </a:r>
               <a:br>
                 <a:rPr lang="en-US" altLang="en-US" sz="900" dirty="0">
                   <a:latin typeface="Calibri" pitchFamily="34" charset="0"/>
@@ -8185,17 +8160,8 @@
                 <a:rPr lang="en-US" altLang="en-US" sz="900" dirty="0">
                   <a:latin typeface="Calibri" pitchFamily="34" charset="0"/>
                 </a:rPr>
-                <a:t> (28</a:t>
-              </a:r>
-              <a:r>
-                <a:rPr lang="en-US" altLang="en-US" sz="900" dirty="0" smtClean="0">
-                  <a:latin typeface="Calibri" pitchFamily="34" charset="0"/>
-                </a:rPr>
-                <a:t>)</a:t>
-              </a:r>
-              <a:endParaRPr lang="en-US" altLang="en-US" sz="900" dirty="0">
-                <a:latin typeface="Calibri" pitchFamily="34" charset="0"/>
-              </a:endParaRPr>
+                <a:t> (28)</a:t>
+              </a:r>
             </a:p>
           </p:txBody>
         </p:sp>
@@ -8374,23 +8340,17 @@
                 <a:buNone/>
               </a:pPr>
               <a:r>
-                <a:rPr lang="en-US" altLang="en-US" sz="900" dirty="0" err="1" smtClean="0">
+                <a:rPr lang="en-US" altLang="en-US" sz="900" dirty="0" err="1">
                   <a:latin typeface="Calibri" pitchFamily="34" charset="0"/>
                   <a:hlinkClick r:id="rId109"/>
                 </a:rPr>
                 <a:t>Carib</a:t>
               </a:r>
               <a:r>
-                <a:rPr lang="en-US" altLang="en-US" sz="900" dirty="0" smtClean="0">
-                  <a:latin typeface="Calibri" pitchFamily="34" charset="0"/>
-                </a:rPr>
-                <a:t> </a:t>
-              </a:r>
-              <a:r>
-                <a:rPr lang="en-US" altLang="en-US" sz="900" dirty="0">
-                  <a:latin typeface="Calibri" pitchFamily="34" charset="0"/>
-                </a:rPr>
-                <a:t>(31)</a:t>
+                <a:rPr lang="en-US" altLang="en-US" sz="900" dirty="0">
+                  <a:latin typeface="Calibri" pitchFamily="34" charset="0"/>
+                </a:rPr>
+                <a:t> (31)</a:t>
               </a:r>
               <a:br>
                 <a:rPr lang="en-US" altLang="en-US" sz="900" dirty="0">
@@ -8800,10 +8760,9 @@
           <a:lstStyle/>
           <a:p>
             <a:r>
-              <a:rPr lang="en-US" dirty="0" smtClean="0"/>
+              <a:rPr lang="en-US" dirty="0"/>
               <a:t>Language Diversity</a:t>
             </a:r>
-            <a:endParaRPr lang="en-US" dirty="0"/>
           </a:p>
         </p:txBody>
       </p:sp>
@@ -8931,7 +8890,7 @@
           <a:lstStyle/>
           <a:p>
             <a:r>
-              <a:rPr lang="en-US" altLang="en-US" dirty="0" smtClean="0"/>
+              <a:rPr lang="en-US" altLang="en-US" dirty="0"/>
               <a:t>Language Changes</a:t>
             </a:r>
           </a:p>
@@ -8963,71 +8922,29 @@
               <a:defRPr/>
             </a:pPr>
             <a:r>
-              <a:rPr lang="en-US" dirty="0" smtClean="0"/>
+              <a:rPr lang="en-US" dirty="0"/>
               <a:t>Grimm’s Law</a:t>
             </a:r>
           </a:p>
           <a:p>
             <a:pPr lvl="1"/>
             <a:r>
-              <a:rPr lang="en-US" dirty="0" smtClean="0"/>
-              <a:t>Voiceless </a:t>
-            </a:r>
-            <a:r>
               <a:rPr lang="en-US" dirty="0"/>
-              <a:t>stops </a:t>
-            </a:r>
-            <a:r>
-              <a:rPr lang="en-US" dirty="0" smtClean="0"/>
-              <a:t>turn </a:t>
-            </a:r>
+              <a:t>Voiceless stops turn into voiceless fricatives</a:t>
+            </a:r>
+          </a:p>
+          <a:p>
+            <a:pPr lvl="1"/>
             <a:r>
               <a:rPr lang="en-US" dirty="0"/>
-              <a:t>into voiceless </a:t>
-            </a:r>
-            <a:r>
-              <a:rPr lang="en-US" dirty="0" smtClean="0"/>
-              <a:t>fricatives</a:t>
-            </a:r>
-            <a:endParaRPr lang="en-US" dirty="0"/>
+              <a:t>Voiced stops become voiceless stops</a:t>
+            </a:r>
           </a:p>
           <a:p>
             <a:pPr lvl="1"/>
             <a:r>
-              <a:rPr lang="en-US" dirty="0" smtClean="0"/>
-              <a:t>Voiced </a:t>
-            </a:r>
-            <a:r>
               <a:rPr lang="en-US" dirty="0"/>
-              <a:t>stops become voiceless </a:t>
-            </a:r>
-            <a:r>
-              <a:rPr lang="en-US" dirty="0" smtClean="0"/>
-              <a:t>stops</a:t>
-            </a:r>
-            <a:endParaRPr lang="en-US" dirty="0"/>
-          </a:p>
-          <a:p>
-            <a:pPr lvl="1"/>
-            <a:r>
-              <a:rPr lang="en-US" dirty="0" smtClean="0"/>
-              <a:t>Voiced </a:t>
-            </a:r>
-            <a:r>
-              <a:rPr lang="en-US" dirty="0"/>
-              <a:t>aspirated stops </a:t>
-            </a:r>
-            <a:r>
-              <a:rPr lang="en-US" dirty="0" smtClean="0"/>
-              <a:t>change to </a:t>
-            </a:r>
-            <a:r>
-              <a:rPr lang="en-US" dirty="0"/>
-              <a:t>voiced stops or </a:t>
-            </a:r>
-            <a:r>
-              <a:rPr lang="en-US" dirty="0" smtClean="0"/>
-              <a:t>fricatives</a:t>
+              <a:t>Voiced aspirated stops change to voiced stops or fricatives</a:t>
             </a:r>
           </a:p>
           <a:p>
@@ -9035,7 +8952,7 @@
               <a:defRPr/>
             </a:pPr>
             <a:r>
-              <a:rPr lang="en-US" dirty="0" smtClean="0"/>
+              <a:rPr lang="en-US" dirty="0"/>
               <a:t>Example 1</a:t>
             </a:r>
           </a:p>
@@ -9044,31 +8961,31 @@
               <a:defRPr/>
             </a:pPr>
             <a:r>
-              <a:rPr lang="en-US" dirty="0" smtClean="0"/>
+              <a:rPr lang="en-US" dirty="0"/>
               <a:t>Ancient Greek: </a:t>
             </a:r>
             <a:r>
-              <a:rPr lang="el-GR" dirty="0" smtClean="0"/>
+              <a:rPr lang="el-GR" dirty="0"/>
               <a:t>πούς</a:t>
             </a:r>
             <a:r>
-              <a:rPr lang="en-US" dirty="0" smtClean="0"/>
+              <a:rPr lang="en-US" dirty="0"/>
               <a:t>, Latin: </a:t>
             </a:r>
             <a:r>
-              <a:rPr lang="en-US" i="1" dirty="0" err="1" smtClean="0"/>
+              <a:rPr lang="en-US" i="1" dirty="0" err="1"/>
               <a:t>pēs</a:t>
             </a:r>
             <a:r>
-              <a:rPr lang="en-US" i="1" dirty="0" smtClean="0"/>
+              <a:rPr lang="en-US" i="1" dirty="0"/>
               <a:t>,</a:t>
             </a:r>
             <a:r>
-              <a:rPr lang="en-US" dirty="0" smtClean="0"/>
+              <a:rPr lang="en-US" dirty="0"/>
               <a:t> Sanskrit: </a:t>
             </a:r>
             <a:r>
-              <a:rPr lang="en-US" i="1" dirty="0" err="1" smtClean="0"/>
+              <a:rPr lang="en-US" i="1" dirty="0" err="1"/>
               <a:t>pāda</a:t>
             </a:r>
             <a:endParaRPr lang="en-US" dirty="0"/>
@@ -9078,37 +8995,37 @@
               <a:defRPr/>
             </a:pPr>
             <a:r>
-              <a:rPr lang="en-US" dirty="0" smtClean="0"/>
+              <a:rPr lang="en-US" dirty="0"/>
               <a:t>English: </a:t>
             </a:r>
             <a:r>
-              <a:rPr lang="en-US" i="1" dirty="0" smtClean="0"/>
+              <a:rPr lang="en-US" i="1" dirty="0"/>
               <a:t>foot</a:t>
             </a:r>
             <a:r>
-              <a:rPr lang="en-US" dirty="0" smtClean="0"/>
+              <a:rPr lang="en-US" dirty="0"/>
               <a:t>, German: </a:t>
             </a:r>
             <a:r>
-              <a:rPr lang="en-US" i="1" dirty="0" err="1" smtClean="0"/>
+              <a:rPr lang="en-US" i="1" dirty="0" err="1"/>
               <a:t>Fuß</a:t>
             </a:r>
             <a:r>
-              <a:rPr lang="en-US" dirty="0" smtClean="0"/>
+              <a:rPr lang="en-US" dirty="0"/>
               <a:t>, Swedish: </a:t>
             </a:r>
             <a:r>
-              <a:rPr lang="en-US" i="1" dirty="0" err="1" smtClean="0"/>
+              <a:rPr lang="en-US" i="1" dirty="0" err="1"/>
               <a:t>fot</a:t>
             </a:r>
-            <a:endParaRPr lang="en-US" i="1" dirty="0" smtClean="0"/>
+            <a:endParaRPr lang="en-US" i="1" dirty="0"/>
           </a:p>
           <a:p>
             <a:pPr>
               <a:defRPr/>
             </a:pPr>
             <a:r>
-              <a:rPr lang="en-US" dirty="0" smtClean="0"/>
+              <a:rPr lang="en-US" dirty="0"/>
               <a:t>Example 2</a:t>
             </a:r>
           </a:p>
@@ -9117,27 +9034,27 @@
               <a:defRPr/>
             </a:pPr>
             <a:r>
-              <a:rPr lang="en-US" dirty="0" smtClean="0"/>
+              <a:rPr lang="en-US" dirty="0"/>
               <a:t>Ancient Greek: </a:t>
             </a:r>
             <a:r>
-              <a:rPr lang="el-GR" dirty="0" smtClean="0"/>
+              <a:rPr lang="el-GR" dirty="0"/>
               <a:t>κύων</a:t>
             </a:r>
             <a:r>
-              <a:rPr lang="en-US" dirty="0" smtClean="0"/>
+              <a:rPr lang="en-US" dirty="0"/>
               <a:t>, Latin: </a:t>
             </a:r>
             <a:r>
-              <a:rPr lang="en-US" i="1" dirty="0" err="1" smtClean="0"/>
+              <a:rPr lang="en-US" i="1" dirty="0" err="1"/>
               <a:t>canis</a:t>
             </a:r>
             <a:r>
-              <a:rPr lang="en-US" dirty="0" smtClean="0"/>
+              <a:rPr lang="en-US" dirty="0"/>
               <a:t>, Welsh: </a:t>
             </a:r>
             <a:r>
-              <a:rPr lang="en-US" i="1" dirty="0" smtClean="0"/>
+              <a:rPr lang="en-US" i="1" dirty="0"/>
               <a:t>ci</a:t>
             </a:r>
           </a:p>
@@ -9146,36 +9063,36 @@
               <a:defRPr/>
             </a:pPr>
             <a:r>
-              <a:rPr lang="en-US" dirty="0" smtClean="0"/>
+              <a:rPr lang="en-US" dirty="0"/>
               <a:t>English: </a:t>
             </a:r>
             <a:r>
-              <a:rPr lang="en-US" i="1" dirty="0" smtClean="0"/>
+              <a:rPr lang="en-US" i="1" dirty="0"/>
               <a:t>hound</a:t>
             </a:r>
             <a:r>
-              <a:rPr lang="en-US" dirty="0" smtClean="0"/>
+              <a:rPr lang="en-US" dirty="0"/>
               <a:t>, Dutch: </a:t>
             </a:r>
             <a:r>
-              <a:rPr lang="en-US" i="1" dirty="0" err="1" smtClean="0"/>
+              <a:rPr lang="en-US" i="1" dirty="0" err="1"/>
               <a:t>hond</a:t>
             </a:r>
             <a:r>
-              <a:rPr lang="en-US" dirty="0" smtClean="0"/>
+              <a:rPr lang="en-US" dirty="0"/>
               <a:t>, German: </a:t>
             </a:r>
             <a:r>
-              <a:rPr lang="en-US" i="1" dirty="0" err="1" smtClean="0"/>
+              <a:rPr lang="en-US" i="1" dirty="0" err="1"/>
               <a:t>Hund</a:t>
             </a:r>
-            <a:endParaRPr lang="en-US" i="1" dirty="0" smtClean="0"/>
+            <a:endParaRPr lang="en-US" i="1" dirty="0"/>
           </a:p>
           <a:p>
             <a:pPr lvl="1">
               <a:defRPr/>
             </a:pPr>
-            <a:endParaRPr lang="en-US" dirty="0" smtClean="0"/>
+            <a:endParaRPr lang="en-US" dirty="0"/>
           </a:p>
         </p:txBody>
       </p:sp>
@@ -9622,10 +9539,9 @@
           <a:lstStyle/>
           <a:p>
             <a:r>
-              <a:rPr lang="en-US" dirty="0" smtClean="0"/>
+              <a:rPr lang="en-US" dirty="0"/>
               <a:t>NACLO Problem</a:t>
             </a:r>
-            <a:endParaRPr lang="en-US" dirty="0"/>
           </a:p>
         </p:txBody>
       </p:sp>
@@ -9648,48 +9564,27 @@
               <a:rPr lang="en-US" sz="2000" dirty="0">
                 <a:hlinkClick r:id="rId2"/>
               </a:rPr>
-              <a:t>http://</a:t>
-            </a:r>
-            <a:r>
-              <a:rPr lang="en-US" sz="2000" dirty="0" smtClean="0">
-                <a:hlinkClick r:id="rId2"/>
-              </a:rPr>
-              <a:t>nacloweb.org/resources/problems/2012/N2012-D.pdf</a:t>
-            </a:r>
-            <a:endParaRPr lang="en-US" sz="2000" dirty="0" smtClean="0"/>
+              <a:t>http://nacloweb.org/resources/problems/2012/N2012-D.pdf</a:t>
+            </a:r>
+            <a:endParaRPr lang="en-US" sz="2000" dirty="0"/>
           </a:p>
           <a:p>
             <a:r>
               <a:rPr lang="en-US" sz="2000" dirty="0">
                 <a:hlinkClick r:id="rId3"/>
               </a:rPr>
-              <a:t>http://</a:t>
-            </a:r>
-            <a:r>
-              <a:rPr lang="en-US" sz="2000" dirty="0" smtClean="0">
-                <a:hlinkClick r:id="rId3"/>
-              </a:rPr>
-              <a:t>nacloweb.org/resources/problems/2012/N2012-DS.pdf</a:t>
-            </a:r>
-            <a:r>
-              <a:rPr lang="en-US" sz="2000" dirty="0" smtClean="0"/>
+              <a:t>http://nacloweb.org/resources/problems/2012/N2012-DS.pdf</a:t>
+            </a:r>
+            <a:r>
+              <a:rPr lang="en-US" sz="2000" dirty="0"/>
               <a:t> </a:t>
             </a:r>
           </a:p>
           <a:p>
             <a:r>
-              <a:rPr lang="en-US" sz="2000" dirty="0" smtClean="0"/>
-              <a:t>Problem </a:t>
-            </a:r>
-            <a:r>
               <a:rPr lang="en-US" sz="2000" dirty="0"/>
-              <a:t>by </a:t>
-            </a:r>
-            <a:r>
-              <a:rPr lang="en-US" sz="2000" dirty="0" smtClean="0"/>
-              <a:t>Dragomir Radev</a:t>
-            </a:r>
-            <a:endParaRPr lang="en-US" sz="2000" dirty="0"/>
+              <a:t>Problem by Dragomir Radev</a:t>
+            </a:r>
           </a:p>
         </p:txBody>
       </p:sp>
@@ -10193,21 +10088,6 @@
   <p:clrMapOvr>
     <a:masterClrMapping/>
   </p:clrMapOvr>
-  <mc:AlternateContent xmlns:mc="http://schemas.openxmlformats.org/markup-compatibility/2006" xmlns:p14="http://schemas.microsoft.com/office/powerpoint/2010/main">
-    <mc:Choice Requires="p14">
-      <p:transition spd="slow" p14:dur="2000"/>
-    </mc:Choice>
-    <mc:Fallback xmlns="">
-      <p:transition spd="slow"/>
-    </mc:Fallback>
-  </mc:AlternateContent>
-  <p:timing>
-    <p:tnLst>
-      <p:par>
-        <p:cTn id="1" dur="indefinite" restart="never" nodeType="tmRoot"/>
-      </p:par>
-    </p:tnLst>
-  </p:timing>
 </p:sld>
 </file>
 
@@ -10292,21 +10172,6 @@
   <p:clrMapOvr>
     <a:masterClrMapping/>
   </p:clrMapOvr>
-  <mc:AlternateContent xmlns:mc="http://schemas.openxmlformats.org/markup-compatibility/2006" xmlns:p14="http://schemas.microsoft.com/office/powerpoint/2010/main">
-    <mc:Choice Requires="p14">
-      <p:transition spd="slow" p14:dur="2000"/>
-    </mc:Choice>
-    <mc:Fallback xmlns="">
-      <p:transition spd="slow"/>
-    </mc:Fallback>
-  </mc:AlternateContent>
-  <p:timing>
-    <p:tnLst>
-      <p:par>
-        <p:cTn id="1" dur="indefinite" restart="never" nodeType="tmRoot"/>
-      </p:par>
-    </p:tnLst>
-  </p:timing>
 </p:sld>
 </file>
 
@@ -10404,10 +10269,9 @@
           <a:lstStyle/>
           <a:p>
             <a:r>
-              <a:rPr lang="en-US" dirty="0" smtClean="0"/>
+              <a:rPr lang="en-US" dirty="0"/>
               <a:t>Basque</a:t>
             </a:r>
-            <a:endParaRPr lang="en-US" dirty="0"/>
           </a:p>
         </p:txBody>
       </p:sp>
@@ -10434,10 +10298,9 @@
           <a:lstStyle/>
           <a:p>
             <a:r>
-              <a:rPr lang="en-US" dirty="0" smtClean="0"/>
+              <a:rPr lang="en-US" dirty="0"/>
               <a:t>Karelian</a:t>
             </a:r>
-            <a:endParaRPr lang="en-US" dirty="0"/>
           </a:p>
         </p:txBody>
       </p:sp>
@@ -10464,10 +10327,9 @@
           <a:lstStyle/>
           <a:p>
             <a:r>
-              <a:rPr lang="en-US" dirty="0" smtClean="0"/>
+              <a:rPr lang="en-US" dirty="0"/>
               <a:t>Sardinian</a:t>
             </a:r>
-            <a:endParaRPr lang="en-US" dirty="0"/>
           </a:p>
         </p:txBody>
       </p:sp>
@@ -10494,10 +10356,9 @@
           <a:lstStyle/>
           <a:p>
             <a:r>
-              <a:rPr lang="en-US" dirty="0" smtClean="0"/>
+              <a:rPr lang="en-US" dirty="0"/>
               <a:t>Lithuanian</a:t>
             </a:r>
-            <a:endParaRPr lang="en-US" dirty="0"/>
           </a:p>
         </p:txBody>
       </p:sp>
@@ -10524,10 +10385,9 @@
           <a:lstStyle/>
           <a:p>
             <a:r>
-              <a:rPr lang="en-US" dirty="0" smtClean="0"/>
+              <a:rPr lang="en-US" dirty="0"/>
               <a:t>Welsh</a:t>
             </a:r>
-            <a:endParaRPr lang="en-US" dirty="0"/>
           </a:p>
         </p:txBody>
       </p:sp>
@@ -10554,10 +10414,9 @@
           <a:lstStyle/>
           <a:p>
             <a:r>
-              <a:rPr lang="en-US" dirty="0" smtClean="0"/>
+              <a:rPr lang="en-US" dirty="0"/>
               <a:t>Romanian</a:t>
             </a:r>
-            <a:endParaRPr lang="en-US" dirty="0"/>
           </a:p>
         </p:txBody>
       </p:sp>
@@ -10584,10 +10443,9 @@
           <a:lstStyle/>
           <a:p>
             <a:r>
-              <a:rPr lang="en-US" dirty="0" smtClean="0"/>
+              <a:rPr lang="en-US" dirty="0"/>
               <a:t>Romansch</a:t>
             </a:r>
-            <a:endParaRPr lang="en-US" dirty="0"/>
           </a:p>
         </p:txBody>
       </p:sp>
@@ -10614,10 +10472,9 @@
           <a:lstStyle/>
           <a:p>
             <a:r>
-              <a:rPr lang="en-US" dirty="0" smtClean="0"/>
+              <a:rPr lang="en-US" dirty="0"/>
               <a:t>Breton</a:t>
             </a:r>
-            <a:endParaRPr lang="en-US" dirty="0"/>
           </a:p>
         </p:txBody>
       </p:sp>
@@ -10644,10 +10501,9 @@
           <a:lstStyle/>
           <a:p>
             <a:r>
-              <a:rPr lang="en-US" dirty="0" smtClean="0"/>
+              <a:rPr lang="en-US" dirty="0"/>
               <a:t>Slovenian</a:t>
             </a:r>
-            <a:endParaRPr lang="en-US" dirty="0"/>
           </a:p>
         </p:txBody>
       </p:sp>
@@ -10674,10 +10530,9 @@
           <a:lstStyle/>
           <a:p>
             <a:r>
-              <a:rPr lang="en-US" dirty="0" smtClean="0"/>
+              <a:rPr lang="en-US" dirty="0"/>
               <a:t>Latin</a:t>
             </a:r>
-            <a:endParaRPr lang="en-US" dirty="0"/>
           </a:p>
         </p:txBody>
       </p:sp>
@@ -10704,10 +10559,9 @@
           <a:lstStyle/>
           <a:p>
             <a:r>
-              <a:rPr lang="en-US" dirty="0" smtClean="0"/>
+              <a:rPr lang="en-US" dirty="0"/>
               <a:t>English</a:t>
             </a:r>
-            <a:endParaRPr lang="en-US" dirty="0"/>
           </a:p>
         </p:txBody>
       </p:sp>
@@ -10721,13 +10575,6 @@
   <p:clrMapOvr>
     <a:masterClrMapping/>
   </p:clrMapOvr>
-  <p:timing>
-    <p:tnLst>
-      <p:par>
-        <p:cTn id="1" dur="indefinite" restart="never" nodeType="tmRoot"/>
-      </p:par>
-    </p:tnLst>
-  </p:timing>
 </p:sld>
 </file>
 
@@ -10825,10 +10672,9 @@
           <a:lstStyle/>
           <a:p>
             <a:r>
-              <a:rPr lang="en-US" dirty="0" smtClean="0"/>
+              <a:rPr lang="en-US" dirty="0"/>
               <a:t>Slovak</a:t>
             </a:r>
-            <a:endParaRPr lang="en-US" dirty="0"/>
           </a:p>
         </p:txBody>
       </p:sp>
@@ -10855,10 +10701,9 @@
           <a:lstStyle/>
           <a:p>
             <a:r>
-              <a:rPr lang="en-US" dirty="0" smtClean="0"/>
+              <a:rPr lang="en-US" dirty="0"/>
               <a:t>Corsican</a:t>
             </a:r>
-            <a:endParaRPr lang="en-US" dirty="0"/>
           </a:p>
         </p:txBody>
       </p:sp>
@@ -10885,10 +10730,9 @@
           <a:lstStyle/>
           <a:p>
             <a:r>
-              <a:rPr lang="en-US" dirty="0" smtClean="0"/>
+              <a:rPr lang="en-US" dirty="0"/>
               <a:t>Irish</a:t>
             </a:r>
-            <a:endParaRPr lang="en-US" dirty="0"/>
           </a:p>
         </p:txBody>
       </p:sp>
@@ -10915,10 +10759,9 @@
           <a:lstStyle/>
           <a:p>
             <a:r>
-              <a:rPr lang="en-US" dirty="0" smtClean="0"/>
+              <a:rPr lang="en-US" dirty="0"/>
               <a:t>Latvian</a:t>
             </a:r>
-            <a:endParaRPr lang="en-US" dirty="0"/>
           </a:p>
         </p:txBody>
       </p:sp>
@@ -10945,10 +10788,9 @@
           <a:lstStyle/>
           <a:p>
             <a:r>
-              <a:rPr lang="en-US" dirty="0" smtClean="0"/>
+              <a:rPr lang="en-US" dirty="0"/>
               <a:t>Finnish</a:t>
             </a:r>
-            <a:endParaRPr lang="en-US" dirty="0"/>
           </a:p>
         </p:txBody>
       </p:sp>
@@ -10975,10 +10817,9 @@
           <a:lstStyle/>
           <a:p>
             <a:r>
-              <a:rPr lang="en-US" dirty="0" smtClean="0"/>
+              <a:rPr lang="en-US" dirty="0"/>
               <a:t>Polish</a:t>
             </a:r>
-            <a:endParaRPr lang="en-US" dirty="0"/>
           </a:p>
         </p:txBody>
       </p:sp>
@@ -10992,13 +10833,6 @@
   <p:clrMapOvr>
     <a:masterClrMapping/>
   </p:clrMapOvr>
-  <p:timing>
-    <p:tnLst>
-      <p:par>
-        <p:cTn id="1" dur="indefinite" restart="never" nodeType="tmRoot"/>
-      </p:par>
-    </p:tnLst>
-  </p:timing>
 </p:sld>
 </file>
 
@@ -11035,7 +10869,7 @@
           <a:lstStyle/>
           <a:p>
             <a:r>
-              <a:rPr lang="en-US" altLang="en-US" dirty="0" smtClean="0"/>
+              <a:rPr lang="en-US" altLang="en-US" dirty="0"/>
               <a:t>Language Families</a:t>
             </a:r>
           </a:p>
@@ -11105,13 +10939,6 @@
   <p:clrMapOvr>
     <a:masterClrMapping/>
   </p:clrMapOvr>
-  <p:timing>
-    <p:tnLst>
-      <p:par>
-        <p:cTn id="1" dur="indefinite" restart="never" nodeType="tmRoot"/>
-      </p:par>
-    </p:tnLst>
-  </p:timing>
 </p:sld>
 </file>
 
@@ -11202,10 +11029,9 @@
           <a:lstStyle/>
           <a:p>
             <a:r>
-              <a:rPr lang="en-US" dirty="0" smtClean="0"/>
+              <a:rPr lang="en-US" dirty="0"/>
               <a:t>Question</a:t>
             </a:r>
-            <a:endParaRPr lang="en-US" dirty="0"/>
           </a:p>
         </p:txBody>
       </p:sp>
@@ -11248,21 +11074,6 @@
   <p:clrMapOvr>
     <a:masterClrMapping/>
   </p:clrMapOvr>
-  <mc:AlternateContent xmlns:mc="http://schemas.openxmlformats.org/markup-compatibility/2006" xmlns:p14="http://schemas.microsoft.com/office/powerpoint/2010/main">
-    <mc:Choice Requires="p14">
-      <p:transition spd="slow" p14:dur="2000"/>
-    </mc:Choice>
-    <mc:Fallback xmlns="">
-      <p:transition spd="slow"/>
-    </mc:Fallback>
-  </mc:AlternateContent>
-  <p:timing>
-    <p:tnLst>
-      <p:par>
-        <p:cTn id="1" dur="indefinite" restart="never" nodeType="tmRoot"/>
-      </p:par>
-    </p:tnLst>
-  </p:timing>
 </p:sld>
 </file>
 
@@ -11299,10 +11110,9 @@
           <a:lstStyle/>
           <a:p>
             <a:r>
-              <a:rPr lang="en-US" dirty="0" smtClean="0"/>
+              <a:rPr lang="en-US" dirty="0"/>
               <a:t>Introduction to NLP</a:t>
             </a:r>
-            <a:endParaRPr lang="en-US" dirty="0"/>
           </a:p>
         </p:txBody>
       </p:sp>
@@ -11322,10 +11132,9 @@
           <a:lstStyle/>
           <a:p>
             <a:r>
-              <a:rPr lang="en-US" dirty="0" smtClean="0"/>
+              <a:rPr lang="en-US" dirty="0"/>
               <a:t>Linguistics</a:t>
             </a:r>
-            <a:endParaRPr lang="en-US" dirty="0"/>
           </a:p>
         </p:txBody>
       </p:sp>
@@ -11339,13 +11148,6 @@
   <p:clrMapOvr>
     <a:masterClrMapping/>
   </p:clrMapOvr>
-  <p:timing>
-    <p:tnLst>
-      <p:par>
-        <p:cTn id="1" dur="indefinite" restart="never" nodeType="tmRoot"/>
-      </p:par>
-    </p:tnLst>
-  </p:timing>
 </p:sld>
 </file>
 
@@ -11436,10 +11238,9 @@
           <a:lstStyle/>
           <a:p>
             <a:r>
-              <a:rPr lang="en-US" dirty="0" smtClean="0"/>
+              <a:rPr lang="en-US" dirty="0"/>
               <a:t>Answer</a:t>
             </a:r>
-            <a:endParaRPr lang="en-US" dirty="0"/>
           </a:p>
         </p:txBody>
       </p:sp>
@@ -11464,44 +11265,43 @@
           <a:lstStyle/>
           <a:p>
             <a:r>
-              <a:rPr lang="en-US" dirty="0" smtClean="0"/>
+              <a:rPr lang="en-US" dirty="0"/>
               <a:t>Beowulf</a:t>
             </a:r>
           </a:p>
           <a:p>
             <a:r>
-              <a:rPr lang="en-US" dirty="0" smtClean="0"/>
+              <a:rPr lang="en-US" dirty="0"/>
               <a:t>Epic poem</a:t>
             </a:r>
           </a:p>
           <a:p>
             <a:r>
-              <a:rPr lang="en-US" dirty="0" smtClean="0"/>
+              <a:rPr lang="en-US" dirty="0"/>
               <a:t>8</a:t>
             </a:r>
             <a:r>
-              <a:rPr lang="en-US" baseline="30000" dirty="0" smtClean="0"/>
+              <a:rPr lang="en-US" baseline="30000" dirty="0"/>
               <a:t>th</a:t>
             </a:r>
             <a:r>
-              <a:rPr lang="en-US" dirty="0" smtClean="0"/>
+              <a:rPr lang="en-US" dirty="0"/>
               <a:t>-11</a:t>
             </a:r>
             <a:r>
-              <a:rPr lang="en-US" baseline="30000" dirty="0" smtClean="0"/>
+              <a:rPr lang="en-US" baseline="30000" dirty="0"/>
               <a:t>th</a:t>
             </a:r>
             <a:r>
-              <a:rPr lang="en-US" dirty="0" smtClean="0"/>
+              <a:rPr lang="en-US" dirty="0"/>
               <a:t> Century</a:t>
             </a:r>
           </a:p>
           <a:p>
             <a:r>
-              <a:rPr lang="en-US" dirty="0" smtClean="0"/>
+              <a:rPr lang="en-US" dirty="0"/>
               <a:t>Old English</a:t>
             </a:r>
-            <a:endParaRPr lang="en-US" dirty="0"/>
           </a:p>
         </p:txBody>
       </p:sp>
@@ -11515,14 +11315,6 @@
   <p:clrMapOvr>
     <a:masterClrMapping/>
   </p:clrMapOvr>
-  <mc:AlternateContent xmlns:mc="http://schemas.openxmlformats.org/markup-compatibility/2006" xmlns:p14="http://schemas.microsoft.com/office/powerpoint/2010/main">
-    <mc:Choice Requires="p14">
-      <p:transition spd="slow" p14:dur="2000"/>
-    </mc:Choice>
-    <mc:Fallback xmlns="">
-      <p:transition spd="slow"/>
-    </mc:Fallback>
-  </mc:AlternateContent>
   <p:timing>
     <p:tnLst>
       <p:par>
@@ -11788,7 +11580,7 @@
           <a:lstStyle/>
           <a:p>
             <a:r>
-              <a:rPr lang="en-US" altLang="en-US" dirty="0" smtClean="0"/>
+              <a:rPr lang="en-US" altLang="en-US" dirty="0"/>
               <a:t>Beowulf</a:t>
             </a:r>
           </a:p>
@@ -11825,7 +11617,7 @@
               <a:buNone/>
             </a:pPr>
             <a:r>
-              <a:rPr lang="en-US" altLang="en-US" sz="1400" dirty="0" err="1" smtClean="0">
+              <a:rPr lang="en-US" altLang="en-US" sz="1400" dirty="0" err="1">
                 <a:solidFill>
                   <a:schemeClr val="tx1"/>
                 </a:solidFill>
@@ -11833,7 +11625,7 @@
               <a:t>Hwæt</a:t>
             </a:r>
             <a:r>
-              <a:rPr lang="en-US" altLang="en-US" sz="1400" dirty="0" smtClean="0">
+              <a:rPr lang="en-US" altLang="en-US" sz="1400" dirty="0">
                 <a:solidFill>
                   <a:schemeClr val="tx1"/>
                 </a:solidFill>
@@ -11841,7 +11633,7 @@
               <a:t>! We Gardena in </a:t>
             </a:r>
             <a:r>
-              <a:rPr lang="en-US" altLang="en-US" sz="1400" dirty="0" err="1" smtClean="0">
+              <a:rPr lang="en-US" altLang="en-US" sz="1400" dirty="0" err="1">
                 <a:solidFill>
                   <a:schemeClr val="tx1"/>
                 </a:solidFill>
@@ -11849,13 +11641,612 @@
               <a:t>geardagum</a:t>
             </a:r>
             <a:r>
-              <a:rPr lang="en-US" altLang="en-US" sz="1400" dirty="0" smtClean="0">
+              <a:rPr lang="en-US" altLang="en-US" sz="1400" dirty="0">
                 <a:solidFill>
                   <a:schemeClr val="tx1"/>
                 </a:solidFill>
               </a:rPr>
               <a:t>, </a:t>
             </a:r>
+          </a:p>
+          <a:p>
+            <a:pPr marL="0" indent="0">
+              <a:buNone/>
+            </a:pPr>
+            <a:r>
+              <a:rPr lang="en-US" altLang="en-US" sz="1400" dirty="0" err="1">
+                <a:solidFill>
+                  <a:schemeClr val="tx1"/>
+                </a:solidFill>
+              </a:rPr>
+              <a:t>þeodcyninga</a:t>
+            </a:r>
+            <a:r>
+              <a:rPr lang="en-US" altLang="en-US" sz="1400" dirty="0">
+                <a:solidFill>
+                  <a:schemeClr val="tx1"/>
+                </a:solidFill>
+              </a:rPr>
+              <a:t>, </a:t>
+            </a:r>
+            <a:r>
+              <a:rPr lang="en-US" altLang="en-US" sz="1400" dirty="0" err="1">
+                <a:solidFill>
+                  <a:schemeClr val="tx1"/>
+                </a:solidFill>
+              </a:rPr>
+              <a:t>þrym</a:t>
+            </a:r>
+            <a:r>
+              <a:rPr lang="en-US" altLang="en-US" sz="1400" dirty="0">
+                <a:solidFill>
+                  <a:schemeClr val="tx1"/>
+                </a:solidFill>
+              </a:rPr>
+              <a:t> </a:t>
+            </a:r>
+            <a:r>
+              <a:rPr lang="en-US" altLang="en-US" sz="1400" dirty="0" err="1">
+                <a:solidFill>
+                  <a:schemeClr val="tx1"/>
+                </a:solidFill>
+              </a:rPr>
+              <a:t>gefrunon</a:t>
+            </a:r>
+            <a:r>
+              <a:rPr lang="en-US" altLang="en-US" sz="1400" dirty="0">
+                <a:solidFill>
+                  <a:schemeClr val="tx1"/>
+                </a:solidFill>
+              </a:rPr>
+              <a:t>, </a:t>
+            </a:r>
+          </a:p>
+          <a:p>
+            <a:pPr marL="0" indent="0">
+              <a:buNone/>
+            </a:pPr>
+            <a:r>
+              <a:rPr lang="en-US" altLang="en-US" sz="1400" dirty="0" err="1">
+                <a:solidFill>
+                  <a:schemeClr val="tx1"/>
+                </a:solidFill>
+              </a:rPr>
+              <a:t>hu</a:t>
+            </a:r>
+            <a:r>
+              <a:rPr lang="en-US" altLang="en-US" sz="1400" dirty="0">
+                <a:solidFill>
+                  <a:schemeClr val="tx1"/>
+                </a:solidFill>
+              </a:rPr>
+              <a:t> </a:t>
+            </a:r>
+            <a:r>
+              <a:rPr lang="en-US" altLang="en-US" sz="1400" dirty="0" err="1">
+                <a:solidFill>
+                  <a:schemeClr val="tx1"/>
+                </a:solidFill>
+              </a:rPr>
+              <a:t>ða</a:t>
+            </a:r>
+            <a:r>
+              <a:rPr lang="en-US" altLang="en-US" sz="1400" dirty="0">
+                <a:solidFill>
+                  <a:schemeClr val="tx1"/>
+                </a:solidFill>
+              </a:rPr>
+              <a:t> </a:t>
+            </a:r>
+            <a:r>
+              <a:rPr lang="en-US" altLang="en-US" sz="1400" dirty="0" err="1">
+                <a:solidFill>
+                  <a:schemeClr val="tx1"/>
+                </a:solidFill>
+              </a:rPr>
+              <a:t>æþelingas</a:t>
+            </a:r>
+            <a:r>
+              <a:rPr lang="en-US" altLang="en-US" sz="1400" dirty="0">
+                <a:solidFill>
+                  <a:schemeClr val="tx1"/>
+                </a:solidFill>
+              </a:rPr>
+              <a:t> </a:t>
+            </a:r>
+            <a:r>
+              <a:rPr lang="en-US" altLang="en-US" sz="1400" dirty="0" err="1">
+                <a:solidFill>
+                  <a:schemeClr val="tx1"/>
+                </a:solidFill>
+              </a:rPr>
+              <a:t>ellen</a:t>
+            </a:r>
+            <a:r>
+              <a:rPr lang="en-US" altLang="en-US" sz="1400" dirty="0">
+                <a:solidFill>
+                  <a:schemeClr val="tx1"/>
+                </a:solidFill>
+              </a:rPr>
+              <a:t> </a:t>
+            </a:r>
+            <a:r>
+              <a:rPr lang="en-US" altLang="en-US" sz="1400" dirty="0" err="1">
+                <a:solidFill>
+                  <a:schemeClr val="tx1"/>
+                </a:solidFill>
+              </a:rPr>
+              <a:t>fremedon</a:t>
+            </a:r>
+            <a:r>
+              <a:rPr lang="en-US" altLang="en-US" sz="1400" dirty="0">
+                <a:solidFill>
+                  <a:schemeClr val="tx1"/>
+                </a:solidFill>
+              </a:rPr>
+              <a:t>. </a:t>
+            </a:r>
+          </a:p>
+          <a:p>
+            <a:pPr marL="0" indent="0">
+              <a:buNone/>
+            </a:pPr>
+            <a:r>
+              <a:rPr lang="en-US" altLang="en-US" sz="1400" dirty="0">
+                <a:solidFill>
+                  <a:schemeClr val="tx1"/>
+                </a:solidFill>
+              </a:rPr>
+              <a:t>Oft </a:t>
+            </a:r>
+            <a:r>
+              <a:rPr lang="en-US" altLang="en-US" sz="1400" dirty="0" err="1">
+                <a:solidFill>
+                  <a:schemeClr val="tx1"/>
+                </a:solidFill>
+              </a:rPr>
+              <a:t>Scyld</a:t>
+            </a:r>
+            <a:r>
+              <a:rPr lang="en-US" altLang="en-US" sz="1400" dirty="0">
+                <a:solidFill>
+                  <a:schemeClr val="tx1"/>
+                </a:solidFill>
+              </a:rPr>
+              <a:t> </a:t>
+            </a:r>
+            <a:r>
+              <a:rPr lang="en-US" altLang="en-US" sz="1400" dirty="0" err="1">
+                <a:solidFill>
+                  <a:schemeClr val="tx1"/>
+                </a:solidFill>
+              </a:rPr>
+              <a:t>Scefing</a:t>
+            </a:r>
+            <a:r>
+              <a:rPr lang="en-US" altLang="en-US" sz="1400" dirty="0">
+                <a:solidFill>
+                  <a:schemeClr val="tx1"/>
+                </a:solidFill>
+              </a:rPr>
+              <a:t> </a:t>
+            </a:r>
+            <a:r>
+              <a:rPr lang="en-US" altLang="en-US" sz="1400" dirty="0" err="1">
+                <a:solidFill>
+                  <a:schemeClr val="tx1"/>
+                </a:solidFill>
+              </a:rPr>
+              <a:t>sceaþena</a:t>
+            </a:r>
+            <a:r>
+              <a:rPr lang="en-US" altLang="en-US" sz="1400" dirty="0">
+                <a:solidFill>
+                  <a:schemeClr val="tx1"/>
+                </a:solidFill>
+              </a:rPr>
+              <a:t> </a:t>
+            </a:r>
+            <a:r>
+              <a:rPr lang="en-US" altLang="en-US" sz="1400" dirty="0" err="1">
+                <a:solidFill>
+                  <a:schemeClr val="tx1"/>
+                </a:solidFill>
+              </a:rPr>
+              <a:t>þreatum</a:t>
+            </a:r>
+            <a:r>
+              <a:rPr lang="en-US" altLang="en-US" sz="1400" dirty="0">
+                <a:solidFill>
+                  <a:schemeClr val="tx1"/>
+                </a:solidFill>
+              </a:rPr>
+              <a:t>,</a:t>
+            </a:r>
+          </a:p>
+          <a:p>
+            <a:pPr marL="0" indent="0">
+              <a:buNone/>
+            </a:pPr>
+            <a:r>
+              <a:rPr lang="en-US" altLang="en-US" sz="1400" dirty="0" err="1">
+                <a:solidFill>
+                  <a:schemeClr val="tx1"/>
+                </a:solidFill>
+              </a:rPr>
+              <a:t>monegum</a:t>
+            </a:r>
+            <a:r>
+              <a:rPr lang="en-US" altLang="en-US" sz="1400" dirty="0">
+                <a:solidFill>
+                  <a:schemeClr val="tx1"/>
+                </a:solidFill>
+              </a:rPr>
+              <a:t> </a:t>
+            </a:r>
+            <a:r>
+              <a:rPr lang="en-US" altLang="en-US" sz="1400" dirty="0" err="1">
+                <a:solidFill>
+                  <a:schemeClr val="tx1"/>
+                </a:solidFill>
+              </a:rPr>
+              <a:t>mægþum</a:t>
+            </a:r>
+            <a:r>
+              <a:rPr lang="en-US" altLang="en-US" sz="1400" dirty="0">
+                <a:solidFill>
+                  <a:schemeClr val="tx1"/>
+                </a:solidFill>
+              </a:rPr>
+              <a:t>, </a:t>
+            </a:r>
+            <a:r>
+              <a:rPr lang="en-US" altLang="en-US" sz="1400" dirty="0" err="1">
+                <a:solidFill>
+                  <a:schemeClr val="tx1"/>
+                </a:solidFill>
+              </a:rPr>
+              <a:t>meodosetla</a:t>
+            </a:r>
+            <a:r>
+              <a:rPr lang="en-US" altLang="en-US" sz="1400" dirty="0">
+                <a:solidFill>
+                  <a:schemeClr val="tx1"/>
+                </a:solidFill>
+              </a:rPr>
+              <a:t> </a:t>
+            </a:r>
+            <a:r>
+              <a:rPr lang="en-US" altLang="en-US" sz="1400" dirty="0" err="1">
+                <a:solidFill>
+                  <a:schemeClr val="tx1"/>
+                </a:solidFill>
+              </a:rPr>
+              <a:t>ofteah</a:t>
+            </a:r>
+            <a:r>
+              <a:rPr lang="en-US" altLang="en-US" sz="1400" dirty="0">
+                <a:solidFill>
+                  <a:schemeClr val="tx1"/>
+                </a:solidFill>
+              </a:rPr>
+              <a:t>, </a:t>
+            </a:r>
+          </a:p>
+          <a:p>
+            <a:pPr marL="0" indent="0">
+              <a:buNone/>
+            </a:pPr>
+            <a:r>
+              <a:rPr lang="en-US" altLang="en-US" sz="1400" dirty="0" err="1">
+                <a:solidFill>
+                  <a:schemeClr val="tx1"/>
+                </a:solidFill>
+              </a:rPr>
+              <a:t>egsode</a:t>
+            </a:r>
+            <a:r>
+              <a:rPr lang="en-US" altLang="en-US" sz="1400" dirty="0">
+                <a:solidFill>
+                  <a:schemeClr val="tx1"/>
+                </a:solidFill>
+              </a:rPr>
+              <a:t> </a:t>
+            </a:r>
+            <a:r>
+              <a:rPr lang="en-US" altLang="en-US" sz="1400" dirty="0" err="1">
+                <a:solidFill>
+                  <a:schemeClr val="tx1"/>
+                </a:solidFill>
+              </a:rPr>
+              <a:t>eorlas</a:t>
+            </a:r>
+            <a:r>
+              <a:rPr lang="en-US" altLang="en-US" sz="1400" dirty="0">
+                <a:solidFill>
+                  <a:schemeClr val="tx1"/>
+                </a:solidFill>
+              </a:rPr>
+              <a:t>. </a:t>
+            </a:r>
+            <a:r>
+              <a:rPr lang="en-US" altLang="en-US" sz="1400" dirty="0" err="1">
+                <a:solidFill>
+                  <a:schemeClr val="tx1"/>
+                </a:solidFill>
+              </a:rPr>
+              <a:t>Syððan</a:t>
+            </a:r>
+            <a:r>
+              <a:rPr lang="en-US" altLang="en-US" sz="1400" dirty="0">
+                <a:solidFill>
+                  <a:schemeClr val="tx1"/>
+                </a:solidFill>
+              </a:rPr>
+              <a:t> </a:t>
+            </a:r>
+            <a:r>
+              <a:rPr lang="en-US" altLang="en-US" sz="1400" b="1" dirty="0" err="1">
+                <a:solidFill>
+                  <a:schemeClr val="tx1"/>
+                </a:solidFill>
+              </a:rPr>
+              <a:t>ærest</a:t>
+            </a:r>
+            <a:r>
+              <a:rPr lang="en-US" altLang="en-US" sz="1400" dirty="0">
+                <a:solidFill>
+                  <a:schemeClr val="tx1"/>
+                </a:solidFill>
+              </a:rPr>
+              <a:t> </a:t>
+            </a:r>
+            <a:r>
+              <a:rPr lang="en-US" altLang="en-US" sz="1400" dirty="0" err="1">
+                <a:solidFill>
+                  <a:schemeClr val="tx1"/>
+                </a:solidFill>
+              </a:rPr>
+              <a:t>wearð</a:t>
+            </a:r>
+            <a:r>
+              <a:rPr lang="en-US" altLang="en-US" sz="1400" dirty="0">
+                <a:solidFill>
+                  <a:schemeClr val="tx1"/>
+                </a:solidFill>
+              </a:rPr>
+              <a:t> </a:t>
+            </a:r>
+          </a:p>
+          <a:p>
+            <a:pPr marL="0" indent="0">
+              <a:buNone/>
+            </a:pPr>
+            <a:r>
+              <a:rPr lang="en-US" altLang="en-US" sz="1400" dirty="0" err="1">
+                <a:solidFill>
+                  <a:schemeClr val="tx1"/>
+                </a:solidFill>
+              </a:rPr>
+              <a:t>feasceaft</a:t>
+            </a:r>
+            <a:r>
+              <a:rPr lang="en-US" altLang="en-US" sz="1400" dirty="0">
+                <a:solidFill>
+                  <a:schemeClr val="tx1"/>
+                </a:solidFill>
+              </a:rPr>
+              <a:t> </a:t>
+            </a:r>
+            <a:r>
+              <a:rPr lang="en-US" altLang="en-US" sz="1400" dirty="0" err="1">
+                <a:solidFill>
+                  <a:schemeClr val="tx1"/>
+                </a:solidFill>
+              </a:rPr>
+              <a:t>funden</a:t>
+            </a:r>
+            <a:r>
+              <a:rPr lang="en-US" altLang="en-US" sz="1400" dirty="0">
+                <a:solidFill>
+                  <a:schemeClr val="tx1"/>
+                </a:solidFill>
+              </a:rPr>
+              <a:t>, he </a:t>
+            </a:r>
+            <a:r>
+              <a:rPr lang="en-US" altLang="en-US" sz="1400" dirty="0" err="1">
+                <a:solidFill>
+                  <a:schemeClr val="tx1"/>
+                </a:solidFill>
+              </a:rPr>
+              <a:t>þæs</a:t>
+            </a:r>
+            <a:r>
+              <a:rPr lang="en-US" altLang="en-US" sz="1400" dirty="0">
+                <a:solidFill>
+                  <a:schemeClr val="tx1"/>
+                </a:solidFill>
+              </a:rPr>
+              <a:t> </a:t>
+            </a:r>
+            <a:r>
+              <a:rPr lang="en-US" altLang="en-US" sz="1400" dirty="0" err="1">
+                <a:solidFill>
+                  <a:schemeClr val="tx1"/>
+                </a:solidFill>
+              </a:rPr>
+              <a:t>frofre</a:t>
+            </a:r>
+            <a:r>
+              <a:rPr lang="en-US" altLang="en-US" sz="1400" dirty="0">
+                <a:solidFill>
+                  <a:schemeClr val="tx1"/>
+                </a:solidFill>
+              </a:rPr>
+              <a:t> </a:t>
+            </a:r>
+            <a:r>
+              <a:rPr lang="en-US" altLang="en-US" sz="1400" dirty="0" err="1">
+                <a:solidFill>
+                  <a:schemeClr val="tx1"/>
+                </a:solidFill>
+              </a:rPr>
+              <a:t>gebad</a:t>
+            </a:r>
+            <a:r>
+              <a:rPr lang="en-US" altLang="en-US" sz="1400" dirty="0">
+                <a:solidFill>
+                  <a:schemeClr val="tx1"/>
+                </a:solidFill>
+              </a:rPr>
+              <a:t>, </a:t>
+            </a:r>
+          </a:p>
+          <a:p>
+            <a:pPr marL="0" indent="0">
+              <a:buNone/>
+            </a:pPr>
+            <a:r>
+              <a:rPr lang="en-US" altLang="en-US" sz="1400" dirty="0" err="1">
+                <a:solidFill>
+                  <a:schemeClr val="tx1"/>
+                </a:solidFill>
+              </a:rPr>
+              <a:t>weox</a:t>
+            </a:r>
+            <a:r>
+              <a:rPr lang="en-US" altLang="en-US" sz="1400" dirty="0">
+                <a:solidFill>
+                  <a:schemeClr val="tx1"/>
+                </a:solidFill>
+              </a:rPr>
+              <a:t> under </a:t>
+            </a:r>
+            <a:r>
+              <a:rPr lang="en-US" altLang="en-US" sz="1400" dirty="0" err="1">
+                <a:solidFill>
+                  <a:schemeClr val="tx1"/>
+                </a:solidFill>
+              </a:rPr>
+              <a:t>wolcnum</a:t>
+            </a:r>
+            <a:r>
+              <a:rPr lang="en-US" altLang="en-US" sz="1400" dirty="0">
+                <a:solidFill>
+                  <a:schemeClr val="tx1"/>
+                </a:solidFill>
+              </a:rPr>
+              <a:t>, </a:t>
+            </a:r>
+            <a:r>
+              <a:rPr lang="en-US" altLang="en-US" sz="1400" dirty="0" err="1">
+                <a:solidFill>
+                  <a:schemeClr val="tx1"/>
+                </a:solidFill>
+              </a:rPr>
+              <a:t>weorðmyndum</a:t>
+            </a:r>
+            <a:r>
+              <a:rPr lang="en-US" altLang="en-US" sz="1400" dirty="0">
+                <a:solidFill>
+                  <a:schemeClr val="tx1"/>
+                </a:solidFill>
+              </a:rPr>
+              <a:t> </a:t>
+            </a:r>
+            <a:r>
+              <a:rPr lang="en-US" altLang="en-US" sz="1400" dirty="0" err="1">
+                <a:solidFill>
+                  <a:schemeClr val="tx1"/>
+                </a:solidFill>
+              </a:rPr>
+              <a:t>þah</a:t>
+            </a:r>
+            <a:r>
+              <a:rPr lang="en-US" altLang="en-US" sz="1400" dirty="0">
+                <a:solidFill>
+                  <a:schemeClr val="tx1"/>
+                </a:solidFill>
+              </a:rPr>
+              <a:t>, </a:t>
+            </a:r>
+          </a:p>
+          <a:p>
+            <a:pPr marL="0" indent="0">
+              <a:buNone/>
+            </a:pPr>
+            <a:r>
+              <a:rPr lang="en-US" altLang="en-US" sz="1400" dirty="0" err="1">
+                <a:solidFill>
+                  <a:schemeClr val="tx1"/>
+                </a:solidFill>
+              </a:rPr>
+              <a:t>oðþæt</a:t>
+            </a:r>
+            <a:r>
+              <a:rPr lang="en-US" altLang="en-US" sz="1400" dirty="0">
+                <a:solidFill>
+                  <a:schemeClr val="tx1"/>
+                </a:solidFill>
+              </a:rPr>
+              <a:t> him </a:t>
+            </a:r>
+            <a:r>
+              <a:rPr lang="en-US" altLang="en-US" sz="1400" dirty="0" err="1">
+                <a:solidFill>
+                  <a:schemeClr val="tx1"/>
+                </a:solidFill>
+              </a:rPr>
+              <a:t>æghwylc</a:t>
+            </a:r>
+            <a:r>
+              <a:rPr lang="en-US" altLang="en-US" sz="1400" dirty="0">
+                <a:solidFill>
+                  <a:schemeClr val="tx1"/>
+                </a:solidFill>
+              </a:rPr>
+              <a:t> </a:t>
+            </a:r>
+            <a:r>
+              <a:rPr lang="en-US" altLang="en-US" sz="1400" dirty="0" err="1">
+                <a:solidFill>
+                  <a:schemeClr val="tx1"/>
+                </a:solidFill>
+              </a:rPr>
+              <a:t>þara</a:t>
+            </a:r>
+            <a:r>
+              <a:rPr lang="en-US" altLang="en-US" sz="1400" dirty="0">
+                <a:solidFill>
+                  <a:schemeClr val="tx1"/>
+                </a:solidFill>
+              </a:rPr>
+              <a:t> </a:t>
+            </a:r>
+            <a:r>
+              <a:rPr lang="en-US" altLang="en-US" sz="1400" dirty="0" err="1">
+                <a:solidFill>
+                  <a:schemeClr val="tx1"/>
+                </a:solidFill>
+              </a:rPr>
+              <a:t>ymbsittendra</a:t>
+            </a:r>
+            <a:r>
+              <a:rPr lang="en-US" altLang="en-US" sz="1400" dirty="0">
+                <a:solidFill>
+                  <a:schemeClr val="tx1"/>
+                </a:solidFill>
+              </a:rPr>
+              <a:t> </a:t>
+            </a:r>
+            <a:br>
+              <a:rPr lang="en-US" altLang="en-US" sz="1400" dirty="0">
+                <a:solidFill>
+                  <a:schemeClr val="tx1"/>
+                </a:solidFill>
+              </a:rPr>
+            </a:br>
             <a:endParaRPr lang="en-US" altLang="en-US" sz="1400" dirty="0">
               <a:solidFill>
                 <a:schemeClr val="tx1"/>
@@ -11867,616 +12258,7 @@
               <a:buNone/>
             </a:pPr>
             <a:r>
-              <a:rPr lang="en-US" altLang="en-US" sz="1400" dirty="0" err="1" smtClean="0">
-                <a:solidFill>
-                  <a:schemeClr val="tx1"/>
-                </a:solidFill>
-              </a:rPr>
-              <a:t>þeodcyninga</a:t>
-            </a:r>
-            <a:r>
-              <a:rPr lang="en-US" altLang="en-US" sz="1400" dirty="0" smtClean="0">
-                <a:solidFill>
-                  <a:schemeClr val="tx1"/>
-                </a:solidFill>
-              </a:rPr>
-              <a:t>, </a:t>
-            </a:r>
-            <a:r>
-              <a:rPr lang="en-US" altLang="en-US" sz="1400" dirty="0" err="1" smtClean="0">
-                <a:solidFill>
-                  <a:schemeClr val="tx1"/>
-                </a:solidFill>
-              </a:rPr>
-              <a:t>þrym</a:t>
-            </a:r>
-            <a:r>
-              <a:rPr lang="en-US" altLang="en-US" sz="1400" dirty="0" smtClean="0">
-                <a:solidFill>
-                  <a:schemeClr val="tx1"/>
-                </a:solidFill>
-              </a:rPr>
-              <a:t> </a:t>
-            </a:r>
-            <a:r>
-              <a:rPr lang="en-US" altLang="en-US" sz="1400" dirty="0" err="1" smtClean="0">
-                <a:solidFill>
-                  <a:schemeClr val="tx1"/>
-                </a:solidFill>
-              </a:rPr>
-              <a:t>gefrunon</a:t>
-            </a:r>
-            <a:r>
-              <a:rPr lang="en-US" altLang="en-US" sz="1400" dirty="0" smtClean="0">
-                <a:solidFill>
-                  <a:schemeClr val="tx1"/>
-                </a:solidFill>
-              </a:rPr>
-              <a:t>, </a:t>
-            </a:r>
-          </a:p>
-          <a:p>
-            <a:pPr marL="0" indent="0">
-              <a:buNone/>
-            </a:pPr>
-            <a:r>
-              <a:rPr lang="en-US" altLang="en-US" sz="1400" dirty="0" err="1" smtClean="0">
-                <a:solidFill>
-                  <a:schemeClr val="tx1"/>
-                </a:solidFill>
-              </a:rPr>
-              <a:t>hu</a:t>
-            </a:r>
-            <a:r>
-              <a:rPr lang="en-US" altLang="en-US" sz="1400" dirty="0" smtClean="0">
-                <a:solidFill>
-                  <a:schemeClr val="tx1"/>
-                </a:solidFill>
-              </a:rPr>
-              <a:t> </a:t>
-            </a:r>
-            <a:r>
-              <a:rPr lang="en-US" altLang="en-US" sz="1400" dirty="0" err="1" smtClean="0">
-                <a:solidFill>
-                  <a:schemeClr val="tx1"/>
-                </a:solidFill>
-              </a:rPr>
-              <a:t>ða</a:t>
-            </a:r>
-            <a:r>
-              <a:rPr lang="en-US" altLang="en-US" sz="1400" dirty="0" smtClean="0">
-                <a:solidFill>
-                  <a:schemeClr val="tx1"/>
-                </a:solidFill>
-              </a:rPr>
-              <a:t> </a:t>
-            </a:r>
-            <a:r>
-              <a:rPr lang="en-US" altLang="en-US" sz="1400" dirty="0" err="1" smtClean="0">
-                <a:solidFill>
-                  <a:schemeClr val="tx1"/>
-                </a:solidFill>
-              </a:rPr>
-              <a:t>æþelingas</a:t>
-            </a:r>
-            <a:r>
-              <a:rPr lang="en-US" altLang="en-US" sz="1400" dirty="0" smtClean="0">
-                <a:solidFill>
-                  <a:schemeClr val="tx1"/>
-                </a:solidFill>
-              </a:rPr>
-              <a:t> </a:t>
-            </a:r>
-            <a:r>
-              <a:rPr lang="en-US" altLang="en-US" sz="1400" dirty="0" err="1" smtClean="0">
-                <a:solidFill>
-                  <a:schemeClr val="tx1"/>
-                </a:solidFill>
-              </a:rPr>
-              <a:t>ellen</a:t>
-            </a:r>
-            <a:r>
-              <a:rPr lang="en-US" altLang="en-US" sz="1400" dirty="0" smtClean="0">
-                <a:solidFill>
-                  <a:schemeClr val="tx1"/>
-                </a:solidFill>
-              </a:rPr>
-              <a:t> </a:t>
-            </a:r>
-            <a:r>
-              <a:rPr lang="en-US" altLang="en-US" sz="1400" dirty="0" err="1" smtClean="0">
-                <a:solidFill>
-                  <a:schemeClr val="tx1"/>
-                </a:solidFill>
-              </a:rPr>
-              <a:t>fremedon</a:t>
-            </a:r>
-            <a:r>
-              <a:rPr lang="en-US" altLang="en-US" sz="1400" dirty="0" smtClean="0">
-                <a:solidFill>
-                  <a:schemeClr val="tx1"/>
-                </a:solidFill>
-              </a:rPr>
-              <a:t>. </a:t>
-            </a:r>
-          </a:p>
-          <a:p>
-            <a:pPr marL="0" indent="0">
-              <a:buNone/>
-            </a:pPr>
-            <a:r>
-              <a:rPr lang="en-US" altLang="en-US" sz="1400" dirty="0" smtClean="0">
-                <a:solidFill>
-                  <a:schemeClr val="tx1"/>
-                </a:solidFill>
-              </a:rPr>
-              <a:t>Oft </a:t>
-            </a:r>
-            <a:r>
-              <a:rPr lang="en-US" altLang="en-US" sz="1400" dirty="0" err="1" smtClean="0">
-                <a:solidFill>
-                  <a:schemeClr val="tx1"/>
-                </a:solidFill>
-              </a:rPr>
-              <a:t>Scyld</a:t>
-            </a:r>
-            <a:r>
-              <a:rPr lang="en-US" altLang="en-US" sz="1400" dirty="0" smtClean="0">
-                <a:solidFill>
-                  <a:schemeClr val="tx1"/>
-                </a:solidFill>
-              </a:rPr>
-              <a:t> </a:t>
-            </a:r>
-            <a:r>
-              <a:rPr lang="en-US" altLang="en-US" sz="1400" dirty="0" err="1" smtClean="0">
-                <a:solidFill>
-                  <a:schemeClr val="tx1"/>
-                </a:solidFill>
-              </a:rPr>
-              <a:t>Scefing</a:t>
-            </a:r>
-            <a:r>
-              <a:rPr lang="en-US" altLang="en-US" sz="1400" dirty="0" smtClean="0">
-                <a:solidFill>
-                  <a:schemeClr val="tx1"/>
-                </a:solidFill>
-              </a:rPr>
-              <a:t> </a:t>
-            </a:r>
-            <a:r>
-              <a:rPr lang="en-US" altLang="en-US" sz="1400" dirty="0" err="1" smtClean="0">
-                <a:solidFill>
-                  <a:schemeClr val="tx1"/>
-                </a:solidFill>
-              </a:rPr>
-              <a:t>sceaþena</a:t>
-            </a:r>
-            <a:r>
-              <a:rPr lang="en-US" altLang="en-US" sz="1400" dirty="0" smtClean="0">
-                <a:solidFill>
-                  <a:schemeClr val="tx1"/>
-                </a:solidFill>
-              </a:rPr>
-              <a:t> </a:t>
-            </a:r>
-            <a:r>
-              <a:rPr lang="en-US" altLang="en-US" sz="1400" dirty="0" err="1" smtClean="0">
-                <a:solidFill>
-                  <a:schemeClr val="tx1"/>
-                </a:solidFill>
-              </a:rPr>
-              <a:t>þreatum</a:t>
-            </a:r>
-            <a:r>
-              <a:rPr lang="en-US" altLang="en-US" sz="1400" dirty="0" smtClean="0">
-                <a:solidFill>
-                  <a:schemeClr val="tx1"/>
-                </a:solidFill>
-              </a:rPr>
-              <a:t>,</a:t>
-            </a:r>
-          </a:p>
-          <a:p>
-            <a:pPr marL="0" indent="0">
-              <a:buNone/>
-            </a:pPr>
-            <a:r>
-              <a:rPr lang="en-US" altLang="en-US" sz="1400" dirty="0" err="1" smtClean="0">
-                <a:solidFill>
-                  <a:schemeClr val="tx1"/>
-                </a:solidFill>
-              </a:rPr>
-              <a:t>monegum</a:t>
-            </a:r>
-            <a:r>
-              <a:rPr lang="en-US" altLang="en-US" sz="1400" dirty="0" smtClean="0">
-                <a:solidFill>
-                  <a:schemeClr val="tx1"/>
-                </a:solidFill>
-              </a:rPr>
-              <a:t> </a:t>
-            </a:r>
-            <a:r>
-              <a:rPr lang="en-US" altLang="en-US" sz="1400" dirty="0" err="1" smtClean="0">
-                <a:solidFill>
-                  <a:schemeClr val="tx1"/>
-                </a:solidFill>
-              </a:rPr>
-              <a:t>mægþum</a:t>
-            </a:r>
-            <a:r>
-              <a:rPr lang="en-US" altLang="en-US" sz="1400" dirty="0" smtClean="0">
-                <a:solidFill>
-                  <a:schemeClr val="tx1"/>
-                </a:solidFill>
-              </a:rPr>
-              <a:t>, </a:t>
-            </a:r>
-            <a:r>
-              <a:rPr lang="en-US" altLang="en-US" sz="1400" dirty="0" err="1" smtClean="0">
-                <a:solidFill>
-                  <a:schemeClr val="tx1"/>
-                </a:solidFill>
-              </a:rPr>
-              <a:t>meodosetla</a:t>
-            </a:r>
-            <a:r>
-              <a:rPr lang="en-US" altLang="en-US" sz="1400" dirty="0" smtClean="0">
-                <a:solidFill>
-                  <a:schemeClr val="tx1"/>
-                </a:solidFill>
-              </a:rPr>
-              <a:t> </a:t>
-            </a:r>
-            <a:r>
-              <a:rPr lang="en-US" altLang="en-US" sz="1400" dirty="0" err="1" smtClean="0">
-                <a:solidFill>
-                  <a:schemeClr val="tx1"/>
-                </a:solidFill>
-              </a:rPr>
-              <a:t>ofteah</a:t>
-            </a:r>
-            <a:r>
-              <a:rPr lang="en-US" altLang="en-US" sz="1400" dirty="0" smtClean="0">
-                <a:solidFill>
-                  <a:schemeClr val="tx1"/>
-                </a:solidFill>
-              </a:rPr>
-              <a:t>, </a:t>
-            </a:r>
-          </a:p>
-          <a:p>
-            <a:pPr marL="0" indent="0">
-              <a:buNone/>
-            </a:pPr>
-            <a:r>
-              <a:rPr lang="en-US" altLang="en-US" sz="1400" dirty="0" err="1" smtClean="0">
-                <a:solidFill>
-                  <a:schemeClr val="tx1"/>
-                </a:solidFill>
-              </a:rPr>
-              <a:t>egsode</a:t>
-            </a:r>
-            <a:r>
-              <a:rPr lang="en-US" altLang="en-US" sz="1400" dirty="0" smtClean="0">
-                <a:solidFill>
-                  <a:schemeClr val="tx1"/>
-                </a:solidFill>
-              </a:rPr>
-              <a:t> </a:t>
-            </a:r>
-            <a:r>
-              <a:rPr lang="en-US" altLang="en-US" sz="1400" dirty="0" err="1" smtClean="0">
-                <a:solidFill>
-                  <a:schemeClr val="tx1"/>
-                </a:solidFill>
-              </a:rPr>
-              <a:t>eorlas</a:t>
-            </a:r>
-            <a:r>
-              <a:rPr lang="en-US" altLang="en-US" sz="1400" dirty="0" smtClean="0">
-                <a:solidFill>
-                  <a:schemeClr val="tx1"/>
-                </a:solidFill>
-              </a:rPr>
-              <a:t>. </a:t>
-            </a:r>
-            <a:r>
-              <a:rPr lang="en-US" altLang="en-US" sz="1400" dirty="0" err="1" smtClean="0">
-                <a:solidFill>
-                  <a:schemeClr val="tx1"/>
-                </a:solidFill>
-              </a:rPr>
-              <a:t>Syððan</a:t>
-            </a:r>
-            <a:r>
-              <a:rPr lang="en-US" altLang="en-US" sz="1400" dirty="0" smtClean="0">
-                <a:solidFill>
-                  <a:schemeClr val="tx1"/>
-                </a:solidFill>
-              </a:rPr>
-              <a:t> </a:t>
-            </a:r>
-            <a:r>
-              <a:rPr lang="en-US" altLang="en-US" sz="1400" b="1" dirty="0" err="1" smtClean="0">
-                <a:solidFill>
-                  <a:schemeClr val="tx1"/>
-                </a:solidFill>
-              </a:rPr>
-              <a:t>ærest</a:t>
-            </a:r>
-            <a:r>
-              <a:rPr lang="en-US" altLang="en-US" sz="1400" dirty="0" smtClean="0">
-                <a:solidFill>
-                  <a:schemeClr val="tx1"/>
-                </a:solidFill>
-              </a:rPr>
-              <a:t> </a:t>
-            </a:r>
-            <a:r>
-              <a:rPr lang="en-US" altLang="en-US" sz="1400" dirty="0" err="1" smtClean="0">
-                <a:solidFill>
-                  <a:schemeClr val="tx1"/>
-                </a:solidFill>
-              </a:rPr>
-              <a:t>wearð</a:t>
-            </a:r>
-            <a:r>
-              <a:rPr lang="en-US" altLang="en-US" sz="1400" dirty="0" smtClean="0">
-                <a:solidFill>
-                  <a:schemeClr val="tx1"/>
-                </a:solidFill>
-              </a:rPr>
-              <a:t> </a:t>
-            </a:r>
-            <a:endParaRPr lang="en-US" altLang="en-US" sz="1400" dirty="0">
-              <a:solidFill>
-                <a:schemeClr val="tx1"/>
-              </a:solidFill>
-            </a:endParaRPr>
-          </a:p>
-          <a:p>
-            <a:pPr marL="0" indent="0">
-              <a:buNone/>
-            </a:pPr>
-            <a:r>
-              <a:rPr lang="en-US" altLang="en-US" sz="1400" dirty="0" err="1" smtClean="0">
-                <a:solidFill>
-                  <a:schemeClr val="tx1"/>
-                </a:solidFill>
-              </a:rPr>
-              <a:t>feasceaft</a:t>
-            </a:r>
-            <a:r>
-              <a:rPr lang="en-US" altLang="en-US" sz="1400" dirty="0" smtClean="0">
-                <a:solidFill>
-                  <a:schemeClr val="tx1"/>
-                </a:solidFill>
-              </a:rPr>
-              <a:t> </a:t>
-            </a:r>
-            <a:r>
-              <a:rPr lang="en-US" altLang="en-US" sz="1400" dirty="0" err="1" smtClean="0">
-                <a:solidFill>
-                  <a:schemeClr val="tx1"/>
-                </a:solidFill>
-              </a:rPr>
-              <a:t>funden</a:t>
-            </a:r>
-            <a:r>
-              <a:rPr lang="en-US" altLang="en-US" sz="1400" dirty="0" smtClean="0">
-                <a:solidFill>
-                  <a:schemeClr val="tx1"/>
-                </a:solidFill>
-              </a:rPr>
-              <a:t>, he </a:t>
-            </a:r>
-            <a:r>
-              <a:rPr lang="en-US" altLang="en-US" sz="1400" dirty="0" err="1" smtClean="0">
-                <a:solidFill>
-                  <a:schemeClr val="tx1"/>
-                </a:solidFill>
-              </a:rPr>
-              <a:t>þæs</a:t>
-            </a:r>
-            <a:r>
-              <a:rPr lang="en-US" altLang="en-US" sz="1400" dirty="0" smtClean="0">
-                <a:solidFill>
-                  <a:schemeClr val="tx1"/>
-                </a:solidFill>
-              </a:rPr>
-              <a:t> </a:t>
-            </a:r>
-            <a:r>
-              <a:rPr lang="en-US" altLang="en-US" sz="1400" dirty="0" err="1" smtClean="0">
-                <a:solidFill>
-                  <a:schemeClr val="tx1"/>
-                </a:solidFill>
-              </a:rPr>
-              <a:t>frofre</a:t>
-            </a:r>
-            <a:r>
-              <a:rPr lang="en-US" altLang="en-US" sz="1400" dirty="0" smtClean="0">
-                <a:solidFill>
-                  <a:schemeClr val="tx1"/>
-                </a:solidFill>
-              </a:rPr>
-              <a:t> </a:t>
-            </a:r>
-            <a:r>
-              <a:rPr lang="en-US" altLang="en-US" sz="1400" dirty="0" err="1" smtClean="0">
-                <a:solidFill>
-                  <a:schemeClr val="tx1"/>
-                </a:solidFill>
-              </a:rPr>
-              <a:t>gebad</a:t>
-            </a:r>
-            <a:r>
-              <a:rPr lang="en-US" altLang="en-US" sz="1400" dirty="0" smtClean="0">
-                <a:solidFill>
-                  <a:schemeClr val="tx1"/>
-                </a:solidFill>
-              </a:rPr>
-              <a:t>, </a:t>
-            </a:r>
-          </a:p>
-          <a:p>
-            <a:pPr marL="0" indent="0">
-              <a:buNone/>
-            </a:pPr>
-            <a:r>
-              <a:rPr lang="en-US" altLang="en-US" sz="1400" dirty="0" err="1" smtClean="0">
-                <a:solidFill>
-                  <a:schemeClr val="tx1"/>
-                </a:solidFill>
-              </a:rPr>
-              <a:t>weox</a:t>
-            </a:r>
-            <a:r>
-              <a:rPr lang="en-US" altLang="en-US" sz="1400" dirty="0" smtClean="0">
-                <a:solidFill>
-                  <a:schemeClr val="tx1"/>
-                </a:solidFill>
-              </a:rPr>
-              <a:t> under </a:t>
-            </a:r>
-            <a:r>
-              <a:rPr lang="en-US" altLang="en-US" sz="1400" dirty="0" err="1" smtClean="0">
-                <a:solidFill>
-                  <a:schemeClr val="tx1"/>
-                </a:solidFill>
-              </a:rPr>
-              <a:t>wolcnum</a:t>
-            </a:r>
-            <a:r>
-              <a:rPr lang="en-US" altLang="en-US" sz="1400" dirty="0" smtClean="0">
-                <a:solidFill>
-                  <a:schemeClr val="tx1"/>
-                </a:solidFill>
-              </a:rPr>
-              <a:t>, </a:t>
-            </a:r>
-            <a:r>
-              <a:rPr lang="en-US" altLang="en-US" sz="1400" dirty="0" err="1" smtClean="0">
-                <a:solidFill>
-                  <a:schemeClr val="tx1"/>
-                </a:solidFill>
-              </a:rPr>
-              <a:t>weorðmyndum</a:t>
-            </a:r>
-            <a:r>
-              <a:rPr lang="en-US" altLang="en-US" sz="1400" dirty="0" smtClean="0">
-                <a:solidFill>
-                  <a:schemeClr val="tx1"/>
-                </a:solidFill>
-              </a:rPr>
-              <a:t> </a:t>
-            </a:r>
-            <a:r>
-              <a:rPr lang="en-US" altLang="en-US" sz="1400" dirty="0" err="1" smtClean="0">
-                <a:solidFill>
-                  <a:schemeClr val="tx1"/>
-                </a:solidFill>
-              </a:rPr>
-              <a:t>þah</a:t>
-            </a:r>
-            <a:r>
-              <a:rPr lang="en-US" altLang="en-US" sz="1400" dirty="0" smtClean="0">
-                <a:solidFill>
-                  <a:schemeClr val="tx1"/>
-                </a:solidFill>
-              </a:rPr>
-              <a:t>, </a:t>
-            </a:r>
-          </a:p>
-          <a:p>
-            <a:pPr marL="0" indent="0">
-              <a:buNone/>
-            </a:pPr>
-            <a:r>
-              <a:rPr lang="en-US" altLang="en-US" sz="1400" dirty="0" err="1" smtClean="0">
-                <a:solidFill>
-                  <a:schemeClr val="tx1"/>
-                </a:solidFill>
-              </a:rPr>
-              <a:t>oðþæt</a:t>
-            </a:r>
-            <a:r>
-              <a:rPr lang="en-US" altLang="en-US" sz="1400" dirty="0" smtClean="0">
-                <a:solidFill>
-                  <a:schemeClr val="tx1"/>
-                </a:solidFill>
-              </a:rPr>
-              <a:t> him </a:t>
-            </a:r>
-            <a:r>
-              <a:rPr lang="en-US" altLang="en-US" sz="1400" dirty="0" err="1" smtClean="0">
-                <a:solidFill>
-                  <a:schemeClr val="tx1"/>
-                </a:solidFill>
-              </a:rPr>
-              <a:t>æghwylc</a:t>
-            </a:r>
-            <a:r>
-              <a:rPr lang="en-US" altLang="en-US" sz="1400" dirty="0" smtClean="0">
-                <a:solidFill>
-                  <a:schemeClr val="tx1"/>
-                </a:solidFill>
-              </a:rPr>
-              <a:t> </a:t>
-            </a:r>
-            <a:r>
-              <a:rPr lang="en-US" altLang="en-US" sz="1400" dirty="0" err="1" smtClean="0">
-                <a:solidFill>
-                  <a:schemeClr val="tx1"/>
-                </a:solidFill>
-              </a:rPr>
-              <a:t>þara</a:t>
-            </a:r>
-            <a:r>
-              <a:rPr lang="en-US" altLang="en-US" sz="1400" dirty="0" smtClean="0">
-                <a:solidFill>
-                  <a:schemeClr val="tx1"/>
-                </a:solidFill>
-              </a:rPr>
-              <a:t> </a:t>
-            </a:r>
-            <a:r>
-              <a:rPr lang="en-US" altLang="en-US" sz="1400" dirty="0" err="1" smtClean="0">
-                <a:solidFill>
-                  <a:schemeClr val="tx1"/>
-                </a:solidFill>
-              </a:rPr>
-              <a:t>ymbsittendra</a:t>
-            </a:r>
-            <a:r>
-              <a:rPr lang="en-US" altLang="en-US" sz="1400" dirty="0" smtClean="0">
-                <a:solidFill>
-                  <a:schemeClr val="tx1"/>
-                </a:solidFill>
-              </a:rPr>
-              <a:t> </a:t>
-            </a:r>
-            <a:br>
-              <a:rPr lang="en-US" altLang="en-US" sz="1400" dirty="0" smtClean="0">
-                <a:solidFill>
-                  <a:schemeClr val="tx1"/>
-                </a:solidFill>
-              </a:rPr>
-            </a:br>
-            <a:endParaRPr lang="en-US" altLang="en-US" sz="1400" dirty="0" smtClean="0">
-              <a:solidFill>
-                <a:schemeClr val="tx1"/>
-              </a:solidFill>
-            </a:endParaRPr>
-          </a:p>
-          <a:p>
-            <a:pPr marL="0" indent="0">
-              <a:buNone/>
-            </a:pPr>
-            <a:r>
-              <a:rPr lang="en-US" altLang="en-US" sz="1400" dirty="0" err="1" smtClean="0">
+              <a:rPr lang="en-US" altLang="en-US" sz="1400" dirty="0" err="1">
                 <a:solidFill>
                   <a:schemeClr val="tx1"/>
                 </a:solidFill>
@@ -12484,7 +12266,7 @@
               <a:t>erst</a:t>
             </a:r>
             <a:r>
-              <a:rPr lang="en-US" altLang="en-US" sz="1400" dirty="0" smtClean="0">
+              <a:rPr lang="en-US" altLang="en-US" sz="1400" dirty="0">
                 <a:solidFill>
                   <a:schemeClr val="tx1"/>
                 </a:solidFill>
@@ -12492,7 +12274,7 @@
               <a:t> (as in </a:t>
             </a:r>
             <a:r>
-              <a:rPr lang="en-US" altLang="en-US" sz="1400" i="1" dirty="0" smtClean="0">
+              <a:rPr lang="en-US" altLang="en-US" sz="1400" i="1" dirty="0">
                 <a:solidFill>
                   <a:schemeClr val="tx1"/>
                 </a:solidFill>
@@ -12500,7 +12282,7 @@
               <a:t>erstwhile</a:t>
             </a:r>
             <a:r>
-              <a:rPr lang="en-US" altLang="en-US" sz="1400" dirty="0" smtClean="0">
+              <a:rPr lang="en-US" altLang="en-US" sz="1400" dirty="0">
                 <a:solidFill>
                   <a:schemeClr val="tx1"/>
                 </a:solidFill>
@@ -12730,21 +12512,8 @@
                   <a:schemeClr val="tx1"/>
                 </a:solidFill>
               </a:rPr>
-              <a:t>Till all his neighbors o’er sea were compelled </a:t>
-            </a:r>
-            <a:r>
-              <a:rPr lang="en-US" altLang="en-US" sz="1400" dirty="0" smtClean="0">
-                <a:solidFill>
-                  <a:schemeClr val="tx1"/>
-                </a:solidFill>
-              </a:rPr>
-              <a:t>to …</a:t>
-            </a:r>
-            <a:endParaRPr lang="en-US" altLang="en-US" sz="1400" dirty="0">
-              <a:solidFill>
-                <a:schemeClr val="tx1"/>
-              </a:solidFill>
-            </a:endParaRPr>
+              <a:t>Till all his neighbors o’er sea were compelled to …</a:t>
+            </a:r>
           </a:p>
         </p:txBody>
       </p:sp>
@@ -12828,21 +12597,6 @@
   <p:clrMapOvr>
     <a:masterClrMapping/>
   </p:clrMapOvr>
-  <mc:AlternateContent xmlns:mc="http://schemas.openxmlformats.org/markup-compatibility/2006" xmlns:p14="http://schemas.microsoft.com/office/powerpoint/2010/main">
-    <mc:Choice Requires="p14">
-      <p:transition spd="slow" p14:dur="2000"/>
-    </mc:Choice>
-    <mc:Fallback xmlns="">
-      <p:transition spd="slow"/>
-    </mc:Fallback>
-  </mc:AlternateContent>
-  <p:timing>
-    <p:tnLst>
-      <p:par>
-        <p:cTn id="1" dur="indefinite" restart="never" nodeType="tmRoot"/>
-      </p:par>
-    </p:tnLst>
-  </p:timing>
 </p:sld>
 </file>
 
@@ -14036,21 +13790,6 @@
   <p:clrMapOvr>
     <a:masterClrMapping/>
   </p:clrMapOvr>
-  <mc:AlternateContent xmlns:mc="http://schemas.openxmlformats.org/markup-compatibility/2006" xmlns:p14="http://schemas.microsoft.com/office/powerpoint/2010/main">
-    <mc:Choice Requires="p14">
-      <p:transition spd="slow" p14:dur="2000"/>
-    </mc:Choice>
-    <mc:Fallback xmlns="">
-      <p:transition spd="slow"/>
-    </mc:Fallback>
-  </mc:AlternateContent>
-  <p:timing>
-    <p:tnLst>
-      <p:par>
-        <p:cTn id="1" dur="indefinite" restart="never" nodeType="tmRoot"/>
-      </p:par>
-    </p:tnLst>
-  </p:timing>
 </p:sld>
 </file>
 
@@ -14087,7 +13826,7 @@
           <a:lstStyle/>
           <a:p>
             <a:r>
-              <a:rPr lang="en-US" altLang="en-US" dirty="0" smtClean="0"/>
+              <a:rPr lang="en-US" altLang="en-US" dirty="0"/>
               <a:t>Diversity of languages</a:t>
             </a:r>
           </a:p>
@@ -14184,81 +13923,77 @@
           <a:p>
             <a:pPr lvl="2"/>
             <a:r>
-              <a:rPr lang="en-US" altLang="en-US" dirty="0" smtClean="0"/>
-              <a:t>Voiced </a:t>
-            </a:r>
-            <a:r>
               <a:rPr lang="en-US" altLang="en-US" dirty="0"/>
-              <a:t>/ɣ/ - used e.g., in Modern Greek</a:t>
-            </a:r>
-          </a:p>
-          <a:p>
-            <a:r>
-              <a:rPr lang="en-US" altLang="en-US" dirty="0" smtClean="0"/>
+              <a:t>Voiced /ɣ/ - used e.g., in Modern Greek</a:t>
+            </a:r>
+          </a:p>
+          <a:p>
+            <a:r>
+              <a:rPr lang="en-US" altLang="en-US" dirty="0"/>
               <a:t>Social status (e.g., in Japanese)</a:t>
             </a:r>
           </a:p>
           <a:p>
             <a:pPr lvl="1"/>
             <a:r>
-              <a:rPr lang="en-US" altLang="en-US" dirty="0" err="1" smtClean="0"/>
+              <a:rPr lang="en-US" altLang="en-US" dirty="0" err="1"/>
               <a:t>otousan</a:t>
             </a:r>
             <a:r>
-              <a:rPr lang="en-US" altLang="en-US" dirty="0" smtClean="0"/>
+              <a:rPr lang="en-US" altLang="en-US" dirty="0"/>
               <a:t>, </a:t>
             </a:r>
             <a:r>
-              <a:rPr lang="ja-JP" altLang="en-US" dirty="0" smtClean="0">
+              <a:rPr lang="ja-JP" altLang="en-US" dirty="0">
                 <a:ea typeface="MS PGothic" pitchFamily="34" charset="-128"/>
               </a:rPr>
               <a:t>お父さん </a:t>
             </a:r>
             <a:r>
-              <a:rPr lang="en-US" altLang="ja-JP" dirty="0" smtClean="0">
+              <a:rPr lang="en-US" altLang="ja-JP" dirty="0">
                 <a:ea typeface="MS PGothic" pitchFamily="34" charset="-128"/>
               </a:rPr>
               <a:t>= </a:t>
             </a:r>
             <a:r>
-              <a:rPr lang="en-US" altLang="en-US" dirty="0" smtClean="0"/>
+              <a:rPr lang="en-US" altLang="en-US" dirty="0"/>
               <a:t>someone else‘s father</a:t>
             </a:r>
           </a:p>
           <a:p>
             <a:pPr lvl="1"/>
             <a:r>
-              <a:rPr lang="en-US" altLang="en-US" dirty="0" smtClean="0"/>
+              <a:rPr lang="en-US" altLang="en-US" dirty="0"/>
               <a:t>chichi, </a:t>
             </a:r>
             <a:r>
-              <a:rPr lang="ja-JP" altLang="en-US" dirty="0" smtClean="0">
+              <a:rPr lang="ja-JP" altLang="en-US" dirty="0">
                 <a:ea typeface="MS PGothic" pitchFamily="34" charset="-128"/>
               </a:rPr>
               <a:t>父 </a:t>
             </a:r>
             <a:r>
-              <a:rPr lang="en-US" altLang="ja-JP" dirty="0" smtClean="0">
+              <a:rPr lang="en-US" altLang="ja-JP" dirty="0">
                 <a:ea typeface="MS PGothic" pitchFamily="34" charset="-128"/>
               </a:rPr>
               <a:t>= one’s </a:t>
             </a:r>
             <a:r>
-              <a:rPr lang="en-US" altLang="en-US" dirty="0" smtClean="0"/>
+              <a:rPr lang="en-US" altLang="en-US" dirty="0"/>
               <a:t>own father</a:t>
             </a:r>
           </a:p>
           <a:p>
             <a:r>
-              <a:rPr lang="en-US" altLang="en-US" dirty="0" smtClean="0"/>
+              <a:rPr lang="en-US" altLang="en-US" dirty="0"/>
               <a:t>Kinship systems (e.g., in Warlpiri) – see next slide</a:t>
             </a:r>
           </a:p>
           <a:p>
-            <a:endParaRPr lang="en-US" altLang="en-US" dirty="0" smtClean="0"/>
-          </a:p>
-          <a:p>
-            <a:endParaRPr lang="en-US" altLang="en-US" dirty="0" smtClean="0"/>
+            <a:endParaRPr lang="en-US" altLang="en-US" dirty="0"/>
+          </a:p>
+          <a:p>
+            <a:endParaRPr lang="en-US" altLang="en-US" dirty="0"/>
           </a:p>
         </p:txBody>
       </p:sp>
@@ -14272,13 +14007,6 @@
   <p:clrMapOvr>
     <a:masterClrMapping/>
   </p:clrMapOvr>
-  <p:timing>
-    <p:tnLst>
-      <p:par>
-        <p:cTn id="1" dur="indefinite" restart="never" nodeType="tmRoot"/>
-      </p:par>
-    </p:tnLst>
-  </p:timing>
 </p:sld>
 </file>
 
@@ -14315,7 +14043,7 @@
           <a:lstStyle/>
           <a:p>
             <a:r>
-              <a:rPr lang="en-US" altLang="en-US" dirty="0" smtClean="0"/>
+              <a:rPr lang="en-US" altLang="en-US" dirty="0"/>
               <a:t>NACLO Problem</a:t>
             </a:r>
           </a:p>
@@ -14344,32 +14072,20 @@
           <a:lstStyle/>
           <a:p>
             <a:r>
-              <a:rPr lang="en-US" altLang="en-US" dirty="0" smtClean="0"/>
+              <a:rPr lang="en-US" altLang="en-US" dirty="0"/>
               <a:t>Warlpiri Kinship – by Alan Chang</a:t>
             </a:r>
           </a:p>
           <a:p>
             <a:pPr lvl="1"/>
-            <a:r>
-              <a:rPr lang="en-US" altLang="en-US" dirty="0" smtClean="0">
-                <a:hlinkClick r:id="rId2"/>
-              </a:rPr>
-              <a:t>http</a:t>
-            </a:r>
             <a:r>
               <a:rPr lang="en-US" altLang="en-US" dirty="0">
                 <a:hlinkClick r:id="rId2"/>
               </a:rPr>
-              <a:t>://</a:t>
-            </a:r>
-            <a:r>
-              <a:rPr lang="en-US" altLang="en-US" dirty="0" smtClean="0">
-                <a:hlinkClick r:id="rId2"/>
-              </a:rPr>
-              <a:t>www.nacloweb.org/resources/problems/2013/N2013-O.pdf</a:t>
-            </a:r>
-            <a:r>
-              <a:rPr lang="en-US" altLang="en-US" dirty="0" smtClean="0"/>
+              <a:t>http://www.nacloweb.org/resources/problems/2013/N2013-O.pdf</a:t>
+            </a:r>
+            <a:r>
+              <a:rPr lang="en-US" altLang="en-US" dirty="0"/>
               <a:t>   </a:t>
             </a:r>
           </a:p>
@@ -14385,21 +14101,6 @@
   <p:clrMapOvr>
     <a:masterClrMapping/>
   </p:clrMapOvr>
-  <mc:AlternateContent xmlns:mc="http://schemas.openxmlformats.org/markup-compatibility/2006" xmlns:p14="http://schemas.microsoft.com/office/powerpoint/2010/main">
-    <mc:Choice Requires="p14">
-      <p:transition spd="slow" p14:dur="2000"/>
-    </mc:Choice>
-    <mc:Fallback xmlns="">
-      <p:transition spd="slow"/>
-    </mc:Fallback>
-  </mc:AlternateContent>
-  <p:timing>
-    <p:tnLst>
-      <p:par>
-        <p:cTn id="1" dur="indefinite" restart="never" nodeType="tmRoot"/>
-      </p:par>
-    </p:tnLst>
-  </p:timing>
 </p:sld>
 </file>
 
@@ -14484,14 +14185,6 @@
   <p:clrMapOvr>
     <a:masterClrMapping/>
   </p:clrMapOvr>
-  <mc:AlternateContent xmlns:mc="http://schemas.openxmlformats.org/markup-compatibility/2006" xmlns:p14="http://schemas.microsoft.com/office/powerpoint/2010/main">
-    <mc:Choice Requires="p14">
-      <p:transition spd="slow" p14:dur="2000"/>
-    </mc:Choice>
-    <mc:Fallback xmlns="">
-      <p:transition spd="slow"/>
-    </mc:Fallback>
-  </mc:AlternateContent>
 </p:sld>
 </file>
 
@@ -14576,14 +14269,6 @@
   <p:clrMapOvr>
     <a:masterClrMapping/>
   </p:clrMapOvr>
-  <mc:AlternateContent xmlns:mc="http://schemas.openxmlformats.org/markup-compatibility/2006" xmlns:p14="http://schemas.microsoft.com/office/powerpoint/2010/main">
-    <mc:Choice Requires="p14">
-      <p:transition spd="slow" p14:dur="2000"/>
-    </mc:Choice>
-    <mc:Fallback xmlns="">
-      <p:transition spd="slow"/>
-    </mc:Fallback>
-  </mc:AlternateContent>
 </p:sld>
 </file>
 
@@ -14620,7 +14305,7 @@
           <a:lstStyle/>
           <a:p>
             <a:r>
-              <a:rPr lang="en-US" altLang="en-US" dirty="0" smtClean="0"/>
+              <a:rPr lang="en-US" altLang="en-US" dirty="0"/>
               <a:t>NACLO Solution</a:t>
             </a:r>
           </a:p>
@@ -14649,7 +14334,7 @@
           <a:lstStyle/>
           <a:p>
             <a:r>
-              <a:rPr lang="en-US" altLang="en-US" dirty="0" smtClean="0"/>
+              <a:rPr lang="en-US" altLang="en-US" dirty="0"/>
               <a:t>Warlpiri Kinship</a:t>
             </a:r>
           </a:p>
@@ -14659,16 +14344,10 @@
               <a:rPr lang="en-US" altLang="en-US" dirty="0">
                 <a:hlinkClick r:id="rId2"/>
               </a:rPr>
-              <a:t>http://</a:t>
-            </a:r>
-            <a:r>
-              <a:rPr lang="en-US" altLang="en-US" dirty="0" smtClean="0">
-                <a:hlinkClick r:id="rId2"/>
-              </a:rPr>
-              <a:t>www.nacloweb.org/resources/problems/2013/N2013-OS.pdf</a:t>
-            </a:r>
-            <a:r>
-              <a:rPr lang="en-US" altLang="en-US" dirty="0" smtClean="0"/>
+              <a:t>http://www.nacloweb.org/resources/problems/2013/N2013-OS.pdf</a:t>
+            </a:r>
+            <a:r>
+              <a:rPr lang="en-US" altLang="en-US" dirty="0"/>
               <a:t>  </a:t>
             </a:r>
           </a:p>
@@ -14684,21 +14363,6 @@
   <p:clrMapOvr>
     <a:masterClrMapping/>
   </p:clrMapOvr>
-  <mc:AlternateContent xmlns:mc="http://schemas.openxmlformats.org/markup-compatibility/2006" xmlns:p14="http://schemas.microsoft.com/office/powerpoint/2010/main">
-    <mc:Choice Requires="p14">
-      <p:transition spd="slow" p14:dur="2000"/>
-    </mc:Choice>
-    <mc:Fallback xmlns="">
-      <p:transition spd="slow"/>
-    </mc:Fallback>
-  </mc:AlternateContent>
-  <p:timing>
-    <p:tnLst>
-      <p:par>
-        <p:cTn id="1" dur="indefinite" restart="never" nodeType="tmRoot"/>
-      </p:par>
-    </p:tnLst>
-  </p:timing>
 </p:sld>
 </file>
 
@@ -14783,14 +14447,6 @@
   <p:clrMapOvr>
     <a:masterClrMapping/>
   </p:clrMapOvr>
-  <mc:AlternateContent xmlns:mc="http://schemas.openxmlformats.org/markup-compatibility/2006" xmlns:p14="http://schemas.microsoft.com/office/powerpoint/2010/main">
-    <mc:Choice Requires="p14">
-      <p:transition spd="slow" p14:dur="2000"/>
-    </mc:Choice>
-    <mc:Fallback xmlns="">
-      <p:transition spd="slow"/>
-    </mc:Fallback>
-  </mc:AlternateContent>
 </p:sld>
 </file>
 
@@ -14827,7 +14483,7 @@
           <a:lstStyle/>
           <a:p>
             <a:r>
-              <a:rPr lang="en-US" altLang="en-US" dirty="0" smtClean="0"/>
+              <a:rPr lang="en-US" altLang="en-US" dirty="0"/>
               <a:t>Language Universals</a:t>
             </a:r>
           </a:p>
@@ -14861,7 +14517,7 @@
               </a:lnSpc>
             </a:pPr>
             <a:r>
-              <a:rPr lang="en-US" dirty="0" smtClean="0"/>
+              <a:rPr lang="en-US" dirty="0"/>
               <a:t>Two types</a:t>
             </a:r>
           </a:p>
@@ -14872,7 +14528,7 @@
               </a:lnSpc>
             </a:pPr>
             <a:r>
-              <a:rPr lang="en-US" dirty="0" smtClean="0"/>
+              <a:rPr lang="en-US" dirty="0"/>
               <a:t>unconditional</a:t>
             </a:r>
           </a:p>
@@ -14883,7 +14539,7 @@
               </a:lnSpc>
             </a:pPr>
             <a:r>
-              <a:rPr lang="en-US" dirty="0" smtClean="0"/>
+              <a:rPr lang="en-US" dirty="0"/>
               <a:t>conditional</a:t>
             </a:r>
           </a:p>
@@ -14894,7 +14550,7 @@
               </a:lnSpc>
             </a:pPr>
             <a:r>
-              <a:rPr lang="en-US" dirty="0" smtClean="0"/>
+              <a:rPr lang="en-US" dirty="0"/>
               <a:t>Examples</a:t>
             </a:r>
           </a:p>
@@ -14906,11 +14562,7 @@
             </a:pPr>
             <a:r>
               <a:rPr lang="en-US" dirty="0"/>
-              <a:t>All languages have </a:t>
-            </a:r>
-            <a:r>
-              <a:rPr lang="en-US" dirty="0" smtClean="0"/>
-              <a:t>verbs and nouns</a:t>
+              <a:t>All languages have verbs and nouns</a:t>
             </a:r>
           </a:p>
           <a:p>
@@ -14920,16 +14572,8 @@
               </a:lnSpc>
             </a:pPr>
             <a:r>
-              <a:rPr lang="en-US" dirty="0" smtClean="0"/>
-              <a:t>All spoken languages have consonants </a:t>
-            </a:r>
-            <a:r>
               <a:rPr lang="en-US" dirty="0"/>
-              <a:t>and </a:t>
-            </a:r>
-            <a:r>
-              <a:rPr lang="en-US" dirty="0" smtClean="0"/>
-              <a:t>vowels</a:t>
+              <a:t>All spoken languages have consonants and vowels</a:t>
             </a:r>
           </a:p>
           <a:p>
@@ -14940,19 +14584,7 @@
             </a:pPr>
             <a:r>
               <a:rPr lang="en-US" dirty="0"/>
-              <a:t>[Greenberg 1] </a:t>
-            </a:r>
-            <a:r>
-              <a:rPr lang="en-US" dirty="0" smtClean="0"/>
-              <a:t>“In </a:t>
-            </a:r>
-            <a:r>
-              <a:rPr lang="en-US" dirty="0"/>
-              <a:t>declarative sentences with nominal subject and object, the dominant order is almost always one in which the subject precedes the object</a:t>
-            </a:r>
-            <a:r>
-              <a:rPr lang="en-US" dirty="0" smtClean="0"/>
-              <a:t>.“</a:t>
+              <a:t>[Greenberg 1] “In declarative sentences with nominal subject and object, the dominant order is almost always one in which the subject precedes the object.“</a:t>
             </a:r>
           </a:p>
           <a:p>
@@ -14963,19 +14595,7 @@
             </a:pPr>
             <a:r>
               <a:rPr lang="en-US" dirty="0"/>
-              <a:t>[Greenberg 29] </a:t>
-            </a:r>
-            <a:r>
-              <a:rPr lang="en-US" dirty="0" smtClean="0"/>
-              <a:t>“If </a:t>
-            </a:r>
-            <a:r>
-              <a:rPr lang="en-US" dirty="0"/>
-              <a:t>a language has inflection, it always has derivation</a:t>
-            </a:r>
-            <a:r>
-              <a:rPr lang="en-US" dirty="0" smtClean="0"/>
-              <a:t>.“</a:t>
+              <a:t>[Greenberg 29] “If a language has inflection, it always has derivation.“</a:t>
             </a:r>
           </a:p>
           <a:p>
@@ -14984,7 +14604,7 @@
                 <a:spcPct val="110000"/>
               </a:lnSpc>
             </a:pPr>
-            <a:endParaRPr lang="en-US" dirty="0" smtClean="0"/>
+            <a:endParaRPr lang="en-US" dirty="0"/>
           </a:p>
           <a:p>
             <a:pPr lvl="1">
@@ -15006,14 +14626,6 @@
   <p:clrMapOvr>
     <a:masterClrMapping/>
   </p:clrMapOvr>
-  <mc:AlternateContent xmlns:mc="http://schemas.openxmlformats.org/markup-compatibility/2006" xmlns:p14="http://schemas.microsoft.com/office/powerpoint/2010/main">
-    <mc:Choice Requires="p14">
-      <p:transition spd="slow" p14:dur="2000"/>
-    </mc:Choice>
-    <mc:Fallback xmlns="">
-      <p:transition spd="slow"/>
-    </mc:Fallback>
-  </mc:AlternateContent>
   <p:timing>
     <p:tnLst>
       <p:par>
@@ -15785,14 +15397,6 @@
   <p:clrMapOvr>
     <a:masterClrMapping/>
   </p:clrMapOvr>
-  <mc:AlternateContent xmlns:mc="http://schemas.openxmlformats.org/markup-compatibility/2006" xmlns:p14="http://schemas.microsoft.com/office/powerpoint/2010/main">
-    <mc:Choice Requires="p14">
-      <p:transition spd="slow" p14:dur="2000"/>
-    </mc:Choice>
-    <mc:Fallback xmlns="">
-      <p:transition spd="slow"/>
-    </mc:Fallback>
-  </mc:AlternateContent>
   <p:timing>
     <p:tnLst>
       <p:par>
@@ -16084,7 +15688,7 @@
           <a:lstStyle/>
           <a:p>
             <a:r>
-              <a:rPr lang="en-US" altLang="en-US" sz="2400" dirty="0" smtClean="0"/>
+              <a:rPr lang="en-US" altLang="en-US" sz="2400" dirty="0"/>
               <a:t>WALS: the World Atlas of Language Structures</a:t>
             </a:r>
           </a:p>
@@ -16118,12 +15722,12 @@
               </a:lnSpc>
             </a:pPr>
             <a:r>
-              <a:rPr lang="en-US" altLang="en-US" dirty="0" smtClean="0">
+              <a:rPr lang="en-US" altLang="en-US" dirty="0">
                 <a:hlinkClick r:id="rId2"/>
               </a:rPr>
               <a:t>http://wals.info</a:t>
             </a:r>
-            <a:endParaRPr lang="en-US" altLang="en-US" dirty="0" smtClean="0"/>
+            <a:endParaRPr lang="en-US" altLang="en-US" dirty="0"/>
           </a:p>
           <a:p>
             <a:pPr>
@@ -16132,7 +15736,7 @@
               </a:lnSpc>
             </a:pPr>
             <a:r>
-              <a:rPr lang="en-US" altLang="en-US" dirty="0" smtClean="0"/>
+              <a:rPr lang="en-US" altLang="en-US" dirty="0"/>
               <a:t>Feature 83A: Order of Object and Verb </a:t>
             </a:r>
           </a:p>
@@ -16143,10 +15747,9 @@
               </a:lnSpc>
             </a:pPr>
             <a:r>
-              <a:rPr lang="en-US" altLang="en-US" dirty="0" smtClean="0"/>
+              <a:rPr lang="en-US" altLang="en-US" dirty="0"/>
               <a:t>by Matthew S. Dryer</a:t>
             </a:r>
-            <a:endParaRPr lang="en-US" altLang="en-US" dirty="0"/>
           </a:p>
           <a:p>
             <a:pPr lvl="1">
@@ -16155,7 +15758,7 @@
               </a:lnSpc>
             </a:pPr>
             <a:r>
-              <a:rPr lang="en-US" altLang="en-US" dirty="0" smtClean="0"/>
+              <a:rPr lang="en-US" altLang="en-US" dirty="0"/>
               <a:t>OV (713 languages), VO (705), no dominant order (101)</a:t>
             </a:r>
           </a:p>
@@ -16169,16 +15772,10 @@
               <a:rPr lang="en-US" altLang="en-US" dirty="0">
                 <a:hlinkClick r:id="rId3"/>
               </a:rPr>
-              <a:t>http://</a:t>
-            </a:r>
-            <a:r>
-              <a:rPr lang="en-US" altLang="en-US" dirty="0" smtClean="0">
-                <a:hlinkClick r:id="rId3"/>
-              </a:rPr>
-              <a:t>wals.info/feature/83A#2/18.0/152.9</a:t>
-            </a:r>
-            <a:r>
-              <a:rPr lang="en-US" altLang="en-US" dirty="0" smtClean="0"/>
+              <a:t>http://wals.info/feature/83A#2/18.0/152.9</a:t>
+            </a:r>
+            <a:r>
+              <a:rPr lang="en-US" altLang="en-US" dirty="0"/>
               <a:t> </a:t>
             </a:r>
           </a:p>
@@ -16189,7 +15786,7 @@
               </a:lnSpc>
             </a:pPr>
             <a:r>
-              <a:rPr lang="en-US" altLang="en-US" dirty="0" smtClean="0"/>
+              <a:rPr lang="en-US" altLang="en-US" dirty="0"/>
               <a:t>Other features:</a:t>
             </a:r>
           </a:p>
@@ -16200,22 +15797,22 @@
               </a:lnSpc>
             </a:pPr>
             <a:r>
-              <a:rPr lang="en-US" altLang="en-US" dirty="0" smtClean="0"/>
+              <a:rPr lang="en-US" altLang="en-US" dirty="0"/>
               <a:t>18A Absence of common consonants (by Ian </a:t>
             </a:r>
             <a:r>
-              <a:rPr lang="en-US" altLang="en-US" dirty="0" err="1" smtClean="0"/>
+              <a:rPr lang="en-US" altLang="en-US" dirty="0" err="1"/>
               <a:t>Maddieson</a:t>
             </a:r>
             <a:r>
-              <a:rPr lang="en-US" altLang="en-US" dirty="0" smtClean="0"/>
+              <a:rPr lang="en-US" altLang="en-US" dirty="0"/>
               <a:t>): </a:t>
             </a:r>
             <a:br>
-              <a:rPr lang="en-US" altLang="en-US" dirty="0" smtClean="0"/>
+              <a:rPr lang="en-US" altLang="en-US" dirty="0"/>
             </a:br>
             <a:r>
-              <a:rPr lang="en-US" altLang="en-US" dirty="0" smtClean="0"/>
+              <a:rPr lang="en-US" altLang="en-US" dirty="0"/>
               <a:t>no bilabials (5 languages), no fricatives (49), no nasals (12)</a:t>
             </a:r>
           </a:p>
@@ -16226,7 +15823,7 @@
               </a:lnSpc>
             </a:pPr>
             <a:r>
-              <a:rPr lang="en-US" altLang="en-US" dirty="0" smtClean="0"/>
+              <a:rPr lang="en-US" altLang="en-US" dirty="0"/>
               <a:t>67A Inflectional future tense (by </a:t>
             </a:r>
             <a:r>
@@ -16246,18 +15843,18 @@
               <a:t> </a:t>
             </a:r>
             <a:r>
-              <a:rPr lang="en-US" dirty="0" err="1" smtClean="0"/>
+              <a:rPr lang="en-US" dirty="0" err="1"/>
               <a:t>Velupillai</a:t>
             </a:r>
             <a:r>
-              <a:rPr lang="en-US" dirty="0" smtClean="0"/>
+              <a:rPr lang="en-US" dirty="0"/>
               <a:t>): </a:t>
             </a:r>
             <a:br>
-              <a:rPr lang="en-US" dirty="0" smtClean="0"/>
+              <a:rPr lang="en-US" dirty="0"/>
             </a:br>
             <a:r>
-              <a:rPr lang="en-US" dirty="0" smtClean="0"/>
+              <a:rPr lang="en-US" dirty="0"/>
               <a:t>yes (110), no (112)</a:t>
             </a:r>
           </a:p>
@@ -16273,14 +15870,6 @@
   <p:clrMapOvr>
     <a:masterClrMapping/>
   </p:clrMapOvr>
-  <mc:AlternateContent xmlns:mc="http://schemas.openxmlformats.org/markup-compatibility/2006" xmlns:p14="http://schemas.microsoft.com/office/powerpoint/2010/main">
-    <mc:Choice Requires="p14">
-      <p:transition spd="slow" p14:dur="2000"/>
-    </mc:Choice>
-    <mc:Fallback xmlns="">
-      <p:transition spd="slow"/>
-    </mc:Fallback>
-  </mc:AlternateContent>
   <p:timing>
     <p:tnLst>
       <p:par>
@@ -16742,7 +16331,7 @@
           <a:lstStyle/>
           <a:p>
             <a:r>
-              <a:rPr lang="en-US" altLang="en-US" dirty="0" smtClean="0"/>
+              <a:rPr lang="en-US" altLang="en-US" dirty="0"/>
               <a:t>Links about World Languages</a:t>
             </a:r>
           </a:p>
@@ -16777,10 +16366,10 @@
               <a:defRPr/>
             </a:pPr>
             <a:r>
-              <a:rPr lang="en-US" sz="4000" dirty="0" err="1" smtClean="0"/>
+              <a:rPr lang="en-US" sz="4000" dirty="0" err="1"/>
               <a:t>Ethnologue</a:t>
             </a:r>
-            <a:endParaRPr lang="en-US" sz="4000" dirty="0" smtClean="0"/>
+            <a:endParaRPr lang="en-US" sz="4000" dirty="0"/>
           </a:p>
           <a:p>
             <a:pPr lvl="1">
@@ -16790,25 +16379,13 @@
               <a:defRPr/>
             </a:pPr>
             <a:r>
-              <a:rPr lang="en-US" sz="3500" dirty="0" smtClean="0">
-                <a:hlinkClick r:id="rId3"/>
-              </a:rPr>
-              <a:t>http</a:t>
-            </a:r>
-            <a:r>
               <a:rPr lang="en-US" sz="3500" dirty="0">
                 <a:hlinkClick r:id="rId3"/>
               </a:rPr>
-              <a:t>://www.ethnologue.com</a:t>
-            </a:r>
-            <a:r>
-              <a:rPr lang="en-US" sz="3500" dirty="0" smtClean="0">
-                <a:hlinkClick r:id="rId3"/>
-              </a:rPr>
-              <a:t>/</a:t>
-            </a:r>
-            <a:r>
-              <a:rPr lang="en-US" sz="3500" dirty="0" smtClean="0"/>
+              <a:t>http://www.ethnologue.com/</a:t>
+            </a:r>
+            <a:r>
+              <a:rPr lang="en-US" sz="3500" dirty="0"/>
               <a:t>   </a:t>
             </a:r>
           </a:p>
@@ -16820,7 +16397,7 @@
               <a:defRPr/>
             </a:pPr>
             <a:r>
-              <a:rPr lang="en-US" sz="4000" dirty="0" smtClean="0"/>
+              <a:rPr lang="en-US" sz="4000" dirty="0"/>
               <a:t>Number words in many languages</a:t>
             </a:r>
           </a:p>
@@ -16832,28 +16409,15 @@
               <a:defRPr/>
             </a:pPr>
             <a:r>
-              <a:rPr lang="en-US" sz="3500" dirty="0" smtClean="0">
-                <a:hlinkClick r:id="rId4"/>
-              </a:rPr>
-              <a:t>http</a:t>
-            </a:r>
-            <a:r>
               <a:rPr lang="en-US" sz="3500" dirty="0">
                 <a:hlinkClick r:id="rId4"/>
               </a:rPr>
-              <a:t>://</a:t>
-            </a:r>
-            <a:r>
-              <a:rPr lang="en-US" sz="3500" dirty="0" smtClean="0">
-                <a:hlinkClick r:id="rId4"/>
-              </a:rPr>
-              <a:t>www.zompist.com/numbers.shtml</a:t>
-            </a:r>
-            <a:r>
-              <a:rPr lang="en-US" sz="3500" dirty="0" smtClean="0"/>
+              <a:t>http://www.zompist.com/numbers.shtml</a:t>
+            </a:r>
+            <a:r>
+              <a:rPr lang="en-US" sz="3500" dirty="0"/>
               <a:t>   </a:t>
             </a:r>
-            <a:endParaRPr lang="en-US" sz="3500" dirty="0"/>
           </a:p>
           <a:p>
             <a:pPr>
@@ -16863,7 +16427,7 @@
               <a:defRPr/>
             </a:pPr>
             <a:r>
-              <a:rPr lang="en-US" sz="4000" dirty="0" smtClean="0"/>
+              <a:rPr lang="en-US" sz="4000" dirty="0"/>
               <a:t>Endangered languages</a:t>
             </a:r>
           </a:p>
@@ -16875,13 +16439,13 @@
               <a:defRPr/>
             </a:pPr>
             <a:r>
-              <a:rPr lang="en-US" sz="3500" dirty="0" smtClean="0">
+              <a:rPr lang="en-US" sz="3500" dirty="0">
                 <a:hlinkClick r:id="rId5"/>
               </a:rPr>
               <a:t>http://www.endangeredlanguages.com/</a:t>
             </a:r>
             <a:r>
-              <a:rPr lang="en-US" sz="3500" dirty="0" smtClean="0"/>
+              <a:rPr lang="en-US" sz="3500" dirty="0"/>
               <a:t> </a:t>
             </a:r>
           </a:p>
@@ -17418,14 +16982,11 @@
           <a:lstStyle/>
           <a:p>
             <a:r>
-              <a:rPr lang="en-US" sz="18000" dirty="0" smtClean="0">
+              <a:rPr lang="en-US" sz="18000" dirty="0">
                 <a:latin typeface="Rockwell Extra Bold" panose="02060903040505020403" pitchFamily="18" charset="0"/>
               </a:rPr>
               <a:t>NLP</a:t>
             </a:r>
-            <a:endParaRPr lang="en-US" sz="18000" dirty="0">
-              <a:latin typeface="Rockwell Extra Bold" panose="02060903040505020403" pitchFamily="18" charset="0"/>
-            </a:endParaRPr>
           </a:p>
         </p:txBody>
       </p:sp>
@@ -17439,13 +17000,6 @@
   <p:clrMapOvr>
     <a:masterClrMapping/>
   </p:clrMapOvr>
-  <p:timing>
-    <p:tnLst>
-      <p:par>
-        <p:cTn id="1" dur="indefinite" restart="never" nodeType="tmRoot"/>
-      </p:par>
-    </p:tnLst>
-  </p:timing>
 </p:sld>
 </file>
 
@@ -17487,10 +17041,9 @@
           <a:lstStyle/>
           <a:p>
             <a:r>
-              <a:rPr lang="en-US" dirty="0" smtClean="0"/>
+              <a:rPr lang="en-US" dirty="0"/>
               <a:t>Consonants in English</a:t>
             </a:r>
-            <a:endParaRPr lang="en-US" dirty="0"/>
           </a:p>
         </p:txBody>
       </p:sp>
@@ -17503,7 +17056,7 @@
           <p:nvPr/>
         </p:nvPicPr>
         <p:blipFill>
-          <a:blip r:embed="rId2">
+          <a:blip r:embed="rId3">
             <a:extLst>
               <a:ext uri="{28A0092B-C50C-407E-A947-70E740481C1C}">
                 <a14:useLocalDpi xmlns:a14="http://schemas.microsoft.com/office/drawing/2010/main" val="0"/>
@@ -17594,7 +17147,7 @@
           <a:lstStyle/>
           <a:p>
             <a:r>
-              <a:rPr lang="en-US" altLang="en-US" dirty="0" smtClean="0"/>
+              <a:rPr lang="en-US" altLang="en-US" dirty="0"/>
               <a:t>IPA Chart (consonants)</a:t>
             </a:r>
           </a:p>
@@ -17851,7 +17404,7 @@
           <a:lstStyle/>
           <a:p>
             <a:r>
-              <a:rPr lang="en-US" altLang="en-US" dirty="0" smtClean="0"/>
+              <a:rPr lang="en-US" altLang="en-US" dirty="0"/>
               <a:t>IPA Chart (vowels)</a:t>
             </a:r>
           </a:p>
@@ -18108,7 +17661,7 @@
           <a:lstStyle/>
           <a:p>
             <a:r>
-              <a:rPr lang="en-US" altLang="en-US" dirty="0" smtClean="0"/>
+              <a:rPr lang="en-US" altLang="en-US" dirty="0"/>
               <a:t>(Many) Languages are Related</a:t>
             </a:r>
           </a:p>
@@ -18140,7 +17693,7 @@
               <a:defRPr/>
             </a:pPr>
             <a:r>
-              <a:rPr lang="en-US" dirty="0" smtClean="0"/>
+              <a:rPr lang="en-US" dirty="0"/>
               <a:t>Cognates</a:t>
             </a:r>
           </a:p>
@@ -18149,318 +17702,317 @@
               <a:defRPr/>
             </a:pPr>
             <a:r>
-              <a:rPr lang="en-US" dirty="0" smtClean="0"/>
+              <a:rPr lang="en-US" dirty="0"/>
               <a:t>night (English), </a:t>
             </a:r>
             <a:r>
-              <a:rPr lang="en-US" dirty="0" err="1" smtClean="0"/>
+              <a:rPr lang="en-US" dirty="0" err="1"/>
               <a:t>nuit</a:t>
             </a:r>
             <a:r>
-              <a:rPr lang="en-US" dirty="0" smtClean="0"/>
+              <a:rPr lang="en-US" dirty="0"/>
               <a:t> (French), </a:t>
             </a:r>
             <a:r>
-              <a:rPr lang="en-US" dirty="0" err="1" smtClean="0"/>
+              <a:rPr lang="en-US" dirty="0" err="1"/>
               <a:t>Nacht</a:t>
             </a:r>
             <a:r>
-              <a:rPr lang="en-US" dirty="0" smtClean="0"/>
+              <a:rPr lang="en-US" dirty="0"/>
               <a:t> (German), </a:t>
             </a:r>
             <a:r>
-              <a:rPr lang="en-US" dirty="0" err="1" smtClean="0"/>
+              <a:rPr lang="en-US" dirty="0" err="1"/>
               <a:t>nacht</a:t>
             </a:r>
             <a:r>
-              <a:rPr lang="en-US" dirty="0" smtClean="0"/>
+              <a:rPr lang="en-US" dirty="0"/>
               <a:t> (Dutch), nag (Afrikaans), </a:t>
             </a:r>
             <a:r>
-              <a:rPr lang="en-US" dirty="0" err="1" smtClean="0"/>
+              <a:rPr lang="en-US" dirty="0" err="1"/>
               <a:t>nicht</a:t>
             </a:r>
             <a:r>
-              <a:rPr lang="en-US" dirty="0" smtClean="0"/>
+              <a:rPr lang="en-US" dirty="0"/>
               <a:t> (Scots), </a:t>
             </a:r>
             <a:r>
-              <a:rPr lang="en-US" dirty="0" err="1" smtClean="0"/>
+              <a:rPr lang="en-US" dirty="0" err="1"/>
               <a:t>natt</a:t>
             </a:r>
             <a:r>
-              <a:rPr lang="en-US" dirty="0" smtClean="0"/>
+              <a:rPr lang="en-US" dirty="0"/>
               <a:t> (Swedish, Norwegian), </a:t>
             </a:r>
             <a:r>
-              <a:rPr lang="en-US" dirty="0" err="1" smtClean="0"/>
+              <a:rPr lang="en-US" dirty="0" err="1"/>
               <a:t>nat</a:t>
             </a:r>
             <a:r>
-              <a:rPr lang="en-US" dirty="0" smtClean="0"/>
+              <a:rPr lang="en-US" dirty="0"/>
               <a:t> (Danish), </a:t>
             </a:r>
             <a:r>
-              <a:rPr lang="en-US" dirty="0" err="1" smtClean="0"/>
+              <a:rPr lang="en-US" dirty="0" err="1"/>
               <a:t>nátt</a:t>
             </a:r>
             <a:r>
-              <a:rPr lang="en-US" dirty="0" smtClean="0"/>
+              <a:rPr lang="en-US" dirty="0"/>
               <a:t> (Faroese), </a:t>
             </a:r>
             <a:r>
-              <a:rPr lang="en-US" dirty="0" err="1" smtClean="0"/>
+              <a:rPr lang="en-US" dirty="0" err="1"/>
               <a:t>nótt</a:t>
             </a:r>
             <a:r>
-              <a:rPr lang="en-US" dirty="0" smtClean="0"/>
+              <a:rPr lang="en-US" dirty="0"/>
               <a:t> (Icelandic), </a:t>
             </a:r>
             <a:r>
-              <a:rPr lang="en-US" dirty="0" err="1" smtClean="0"/>
+              <a:rPr lang="en-US" dirty="0" err="1"/>
               <a:t>noc</a:t>
             </a:r>
             <a:r>
-              <a:rPr lang="en-US" dirty="0" smtClean="0"/>
+              <a:rPr lang="en-US" dirty="0"/>
               <a:t> (Czech, Slovak, Polish), </a:t>
             </a:r>
             <a:r>
-              <a:rPr lang="az-Cyrl-AZ" dirty="0" smtClean="0"/>
+              <a:rPr lang="az-Cyrl-AZ" dirty="0"/>
               <a:t>ночь, </a:t>
             </a:r>
             <a:r>
-              <a:rPr lang="en-US" dirty="0" err="1" smtClean="0"/>
+              <a:rPr lang="en-US" dirty="0" err="1"/>
               <a:t>noch</a:t>
             </a:r>
             <a:r>
-              <a:rPr lang="en-US" dirty="0" smtClean="0"/>
+              <a:rPr lang="en-US" dirty="0"/>
               <a:t> (Russian), </a:t>
             </a:r>
             <a:r>
-              <a:rPr lang="az-Cyrl-AZ" dirty="0" smtClean="0"/>
+              <a:rPr lang="az-Cyrl-AZ" dirty="0"/>
               <a:t>ноќ, </a:t>
             </a:r>
             <a:r>
-              <a:rPr lang="en-US" dirty="0" err="1" smtClean="0"/>
+              <a:rPr lang="en-US" dirty="0" err="1"/>
               <a:t>noć</a:t>
             </a:r>
             <a:r>
-              <a:rPr lang="en-US" dirty="0" smtClean="0"/>
+              <a:rPr lang="en-US" dirty="0"/>
               <a:t> (Macedonian), </a:t>
             </a:r>
             <a:r>
-              <a:rPr lang="az-Cyrl-AZ" dirty="0" smtClean="0"/>
+              <a:rPr lang="az-Cyrl-AZ" dirty="0"/>
               <a:t>нощ, </a:t>
             </a:r>
             <a:r>
-              <a:rPr lang="en-US" dirty="0" err="1" smtClean="0"/>
+              <a:rPr lang="en-US" dirty="0" err="1"/>
               <a:t>nosht</a:t>
             </a:r>
             <a:r>
-              <a:rPr lang="en-US" dirty="0" smtClean="0"/>
+              <a:rPr lang="en-US" dirty="0"/>
               <a:t> (Bulgarian), </a:t>
             </a:r>
             <a:r>
-              <a:rPr lang="az-Cyrl-AZ" dirty="0" smtClean="0"/>
+              <a:rPr lang="az-Cyrl-AZ" dirty="0"/>
               <a:t>ніч, </a:t>
             </a:r>
             <a:r>
-              <a:rPr lang="en-US" dirty="0" err="1" smtClean="0"/>
+              <a:rPr lang="en-US" dirty="0" err="1"/>
               <a:t>nich</a:t>
             </a:r>
             <a:r>
-              <a:rPr lang="en-US" dirty="0" smtClean="0"/>
+              <a:rPr lang="en-US" dirty="0"/>
               <a:t> (Ukrainian), </a:t>
             </a:r>
             <a:r>
-              <a:rPr lang="az-Cyrl-AZ" dirty="0" smtClean="0"/>
+              <a:rPr lang="az-Cyrl-AZ" dirty="0"/>
               <a:t>ноч, </a:t>
             </a:r>
             <a:r>
-              <a:rPr lang="en-US" dirty="0" err="1" smtClean="0"/>
+              <a:rPr lang="en-US" dirty="0" err="1"/>
               <a:t>noch</a:t>
             </a:r>
             <a:r>
-              <a:rPr lang="en-US" dirty="0" smtClean="0"/>
+              <a:rPr lang="en-US" dirty="0"/>
               <a:t>/</a:t>
             </a:r>
             <a:r>
-              <a:rPr lang="en-US" dirty="0" err="1" smtClean="0"/>
+              <a:rPr lang="en-US" dirty="0" err="1"/>
               <a:t>noč</a:t>
             </a:r>
             <a:r>
-              <a:rPr lang="en-US" dirty="0" smtClean="0"/>
+              <a:rPr lang="en-US" dirty="0"/>
               <a:t> (Belarusian), </a:t>
             </a:r>
             <a:r>
-              <a:rPr lang="en-US" dirty="0" err="1" smtClean="0"/>
+              <a:rPr lang="en-US" dirty="0" err="1"/>
               <a:t>noč</a:t>
             </a:r>
             <a:r>
-              <a:rPr lang="en-US" dirty="0" smtClean="0"/>
+              <a:rPr lang="en-US" dirty="0"/>
               <a:t> (Slovene), </a:t>
             </a:r>
             <a:r>
-              <a:rPr lang="en-US" dirty="0" err="1" smtClean="0"/>
+              <a:rPr lang="en-US" dirty="0" err="1"/>
               <a:t>noć</a:t>
             </a:r>
             <a:r>
-              <a:rPr lang="en-US" dirty="0" smtClean="0"/>
+              <a:rPr lang="en-US" dirty="0"/>
               <a:t> (Serbo-Croatian), </a:t>
             </a:r>
             <a:r>
-              <a:rPr lang="el-GR" dirty="0" smtClean="0"/>
+              <a:rPr lang="el-GR" dirty="0"/>
               <a:t>νύξ, </a:t>
             </a:r>
             <a:r>
-              <a:rPr lang="en-US" dirty="0" err="1" smtClean="0"/>
+              <a:rPr lang="en-US" dirty="0" err="1"/>
               <a:t>nyx</a:t>
             </a:r>
             <a:r>
-              <a:rPr lang="en-US" dirty="0" smtClean="0"/>
+              <a:rPr lang="en-US" dirty="0"/>
               <a:t> (Ancient Greek, </a:t>
             </a:r>
             <a:r>
-              <a:rPr lang="el-GR" dirty="0" smtClean="0"/>
+              <a:rPr lang="el-GR" dirty="0"/>
               <a:t>νύχτα/</a:t>
             </a:r>
             <a:r>
-              <a:rPr lang="en-US" dirty="0" err="1" smtClean="0"/>
+              <a:rPr lang="en-US" dirty="0" err="1"/>
               <a:t>nychta</a:t>
             </a:r>
             <a:r>
-              <a:rPr lang="en-US" dirty="0" smtClean="0"/>
+              <a:rPr lang="en-US" dirty="0"/>
               <a:t> in Modern Greek), </a:t>
             </a:r>
             <a:r>
-              <a:rPr lang="en-US" dirty="0" err="1" smtClean="0"/>
+              <a:rPr lang="en-US" dirty="0" err="1"/>
               <a:t>nox</a:t>
             </a:r>
             <a:r>
-              <a:rPr lang="en-US" dirty="0" smtClean="0"/>
+              <a:rPr lang="en-US" dirty="0"/>
               <a:t>/</a:t>
             </a:r>
             <a:r>
-              <a:rPr lang="en-US" dirty="0" err="1" smtClean="0"/>
+              <a:rPr lang="en-US" dirty="0" err="1"/>
               <a:t>nocte</a:t>
             </a:r>
             <a:r>
-              <a:rPr lang="en-US" dirty="0" smtClean="0"/>
+              <a:rPr lang="en-US" dirty="0"/>
               <a:t> (Latin), </a:t>
             </a:r>
             <a:r>
-              <a:rPr lang="en-US" dirty="0" err="1" smtClean="0"/>
+              <a:rPr lang="en-US" dirty="0" err="1"/>
               <a:t>nakt</a:t>
             </a:r>
             <a:r>
-              <a:rPr lang="en-US" dirty="0" smtClean="0"/>
+              <a:rPr lang="en-US" dirty="0"/>
               <a:t>- (Sanskrit), </a:t>
             </a:r>
             <a:r>
-              <a:rPr lang="en-US" dirty="0" err="1" smtClean="0"/>
+              <a:rPr lang="en-US" dirty="0" err="1"/>
               <a:t>natë</a:t>
             </a:r>
             <a:r>
-              <a:rPr lang="en-US" dirty="0" smtClean="0"/>
+              <a:rPr lang="en-US" dirty="0"/>
               <a:t> (Albanian), </a:t>
             </a:r>
             <a:r>
-              <a:rPr lang="en-US" dirty="0" err="1" smtClean="0"/>
+              <a:rPr lang="en-US" dirty="0" err="1"/>
               <a:t>noche</a:t>
             </a:r>
             <a:r>
-              <a:rPr lang="en-US" dirty="0" smtClean="0"/>
+              <a:rPr lang="en-US" dirty="0"/>
               <a:t> (Spanish), </a:t>
             </a:r>
             <a:r>
-              <a:rPr lang="en-US" dirty="0" err="1" smtClean="0"/>
+              <a:rPr lang="en-US" dirty="0" err="1"/>
               <a:t>nos</a:t>
             </a:r>
             <a:r>
-              <a:rPr lang="en-US" dirty="0" smtClean="0"/>
+              <a:rPr lang="en-US" dirty="0"/>
               <a:t> (Welsh), </a:t>
             </a:r>
             <a:r>
-              <a:rPr lang="en-US" dirty="0" err="1" smtClean="0"/>
+              <a:rPr lang="en-US" dirty="0" err="1"/>
               <a:t>nueche</a:t>
             </a:r>
             <a:r>
-              <a:rPr lang="en-US" dirty="0" smtClean="0"/>
+              <a:rPr lang="en-US" dirty="0"/>
               <a:t> (</a:t>
             </a:r>
             <a:r>
-              <a:rPr lang="en-US" dirty="0" err="1" smtClean="0"/>
+              <a:rPr lang="en-US" dirty="0" err="1"/>
               <a:t>Asturian</a:t>
             </a:r>
             <a:r>
-              <a:rPr lang="en-US" dirty="0" smtClean="0"/>
+              <a:rPr lang="en-US" dirty="0"/>
               <a:t>), </a:t>
             </a:r>
             <a:r>
-              <a:rPr lang="en-US" dirty="0" err="1" smtClean="0"/>
+              <a:rPr lang="en-US" dirty="0" err="1"/>
               <a:t>noite</a:t>
             </a:r>
             <a:r>
-              <a:rPr lang="en-US" dirty="0" smtClean="0"/>
+              <a:rPr lang="en-US" dirty="0"/>
               <a:t> (Portuguese and Galician), </a:t>
             </a:r>
             <a:r>
-              <a:rPr lang="en-US" dirty="0" err="1" smtClean="0"/>
+              <a:rPr lang="en-US" dirty="0" err="1"/>
               <a:t>notte</a:t>
             </a:r>
             <a:r>
-              <a:rPr lang="en-US" dirty="0" smtClean="0"/>
+              <a:rPr lang="en-US" dirty="0"/>
               <a:t> (Italian), nit (Catalan), </a:t>
             </a:r>
             <a:r>
-              <a:rPr lang="en-US" dirty="0" err="1" smtClean="0"/>
+              <a:rPr lang="en-US" dirty="0" err="1"/>
               <a:t>nuèch</a:t>
             </a:r>
             <a:r>
-              <a:rPr lang="en-US" dirty="0" smtClean="0"/>
+              <a:rPr lang="en-US" dirty="0"/>
               <a:t>/</a:t>
             </a:r>
             <a:r>
-              <a:rPr lang="en-US" dirty="0" err="1" smtClean="0"/>
+              <a:rPr lang="en-US" dirty="0" err="1"/>
               <a:t>nuèit</a:t>
             </a:r>
             <a:r>
-              <a:rPr lang="en-US" dirty="0" smtClean="0"/>
+              <a:rPr lang="en-US" dirty="0"/>
               <a:t> (Occitan), </a:t>
             </a:r>
             <a:r>
-              <a:rPr lang="en-US" dirty="0" err="1" smtClean="0"/>
+              <a:rPr lang="en-US" dirty="0" err="1"/>
               <a:t>noapte</a:t>
             </a:r>
             <a:r>
-              <a:rPr lang="en-US" dirty="0" smtClean="0"/>
+              <a:rPr lang="en-US" dirty="0"/>
               <a:t> (Romanian), </a:t>
             </a:r>
             <a:r>
-              <a:rPr lang="en-US" dirty="0" err="1" smtClean="0"/>
+              <a:rPr lang="en-US" dirty="0" err="1"/>
               <a:t>nakts</a:t>
             </a:r>
             <a:r>
-              <a:rPr lang="en-US" dirty="0" smtClean="0"/>
+              <a:rPr lang="en-US" dirty="0"/>
               <a:t> (Latvian) and </a:t>
             </a:r>
             <a:r>
-              <a:rPr lang="en-US" dirty="0" err="1" smtClean="0"/>
+              <a:rPr lang="en-US" dirty="0" err="1"/>
               <a:t>naktis</a:t>
             </a:r>
             <a:r>
-              <a:rPr lang="en-US" dirty="0" smtClean="0"/>
+              <a:rPr lang="en-US" dirty="0"/>
               <a:t> (Lithuanian), all meaning "night" and derived from the Proto-Indo-European (PIE) *</a:t>
             </a:r>
             <a:r>
-              <a:rPr lang="en-US" dirty="0" err="1" smtClean="0"/>
+              <a:rPr lang="en-US" dirty="0" err="1"/>
               <a:t>nókʷts</a:t>
             </a:r>
             <a:r>
-              <a:rPr lang="en-US" dirty="0" smtClean="0"/>
+              <a:rPr lang="en-US" dirty="0"/>
               <a:t>, "night".</a:t>
             </a:r>
-            <a:endParaRPr lang="en-US" dirty="0"/>
           </a:p>
         </p:txBody>
       </p:sp>
@@ -18855,7 +18407,7 @@
           <a:lstStyle/>
           <a:p>
             <a:r>
-              <a:rPr lang="en-US" altLang="en-US" dirty="0" smtClean="0"/>
+              <a:rPr lang="en-US" altLang="en-US" dirty="0"/>
               <a:t>Some Indo-European languages</a:t>
             </a:r>
           </a:p>
@@ -18898,10 +18450,9 @@
             <a:lstStyle/>
             <a:p>
               <a:r>
-                <a:rPr lang="en-US" dirty="0" smtClean="0"/>
+                <a:rPr lang="en-US" dirty="0"/>
                 <a:t>Proto-Indo-European</a:t>
               </a:r>
-              <a:endParaRPr lang="en-US" dirty="0"/>
             </a:p>
           </p:txBody>
         </p:sp>
@@ -18928,10 +18479,9 @@
             <a:lstStyle/>
             <a:p>
               <a:r>
-                <a:rPr lang="en-US" dirty="0" smtClean="0"/>
+                <a:rPr lang="en-US" dirty="0"/>
                 <a:t>Indo-Iranian</a:t>
               </a:r>
-              <a:endParaRPr lang="en-US" dirty="0"/>
             </a:p>
           </p:txBody>
         </p:sp>
@@ -18958,10 +18508,9 @@
             <a:lstStyle/>
             <a:p>
               <a:r>
-                <a:rPr lang="en-US" dirty="0" smtClean="0"/>
+                <a:rPr lang="en-US" dirty="0"/>
                 <a:t>Hellenic</a:t>
               </a:r>
-              <a:endParaRPr lang="en-US" dirty="0"/>
             </a:p>
           </p:txBody>
         </p:sp>
@@ -18988,10 +18537,9 @@
             <a:lstStyle/>
             <a:p>
               <a:r>
-                <a:rPr lang="en-US" dirty="0" smtClean="0"/>
+                <a:rPr lang="en-US" dirty="0"/>
                 <a:t>Italic</a:t>
               </a:r>
-              <a:endParaRPr lang="en-US" dirty="0"/>
             </a:p>
           </p:txBody>
         </p:sp>
@@ -19018,10 +18566,9 @@
             <a:lstStyle/>
             <a:p>
               <a:r>
-                <a:rPr lang="en-US" dirty="0" smtClean="0"/>
+                <a:rPr lang="en-US" dirty="0"/>
                 <a:t>Balto-Slavic</a:t>
               </a:r>
-              <a:endParaRPr lang="en-US" dirty="0"/>
             </a:p>
           </p:txBody>
         </p:sp>
@@ -19048,10 +18595,9 @@
             <a:lstStyle/>
             <a:p>
               <a:r>
-                <a:rPr lang="en-US" dirty="0" smtClean="0"/>
+                <a:rPr lang="en-US" dirty="0"/>
                 <a:t>Germanic</a:t>
               </a:r>
-              <a:endParaRPr lang="en-US" dirty="0"/>
             </a:p>
           </p:txBody>
         </p:sp>
@@ -19078,10 +18624,9 @@
             <a:lstStyle/>
             <a:p>
               <a:r>
-                <a:rPr lang="en-US" dirty="0" smtClean="0"/>
+                <a:rPr lang="en-US" dirty="0"/>
                 <a:t>Sanskrit</a:t>
               </a:r>
-              <a:endParaRPr lang="en-US" dirty="0"/>
             </a:p>
           </p:txBody>
         </p:sp>
@@ -19108,10 +18653,9 @@
             <a:lstStyle/>
             <a:p>
               <a:r>
-                <a:rPr lang="en-US" dirty="0" smtClean="0"/>
+                <a:rPr lang="en-US" dirty="0"/>
                 <a:t>Old Persian</a:t>
               </a:r>
-              <a:endParaRPr lang="en-US" dirty="0"/>
             </a:p>
           </p:txBody>
         </p:sp>
@@ -19138,10 +18682,9 @@
             <a:lstStyle/>
             <a:p>
               <a:r>
-                <a:rPr lang="en-US" dirty="0" smtClean="0"/>
+                <a:rPr lang="en-US" dirty="0"/>
                 <a:t>Bengali</a:t>
               </a:r>
-              <a:endParaRPr lang="en-US" dirty="0"/>
             </a:p>
           </p:txBody>
         </p:sp>
@@ -19168,10 +18711,9 @@
             <a:lstStyle/>
             <a:p>
               <a:r>
-                <a:rPr lang="en-US" dirty="0" smtClean="0"/>
+                <a:rPr lang="en-US" dirty="0"/>
                 <a:t>Urdu</a:t>
               </a:r>
-              <a:endParaRPr lang="en-US" dirty="0"/>
             </a:p>
           </p:txBody>
         </p:sp>
@@ -19198,10 +18740,9 @@
             <a:lstStyle/>
             <a:p>
               <a:r>
-                <a:rPr lang="en-US" dirty="0" smtClean="0"/>
+                <a:rPr lang="en-US" dirty="0"/>
                 <a:t>Farsi</a:t>
               </a:r>
-              <a:endParaRPr lang="en-US" dirty="0"/>
             </a:p>
           </p:txBody>
         </p:sp>
@@ -19228,10 +18769,9 @@
             <a:lstStyle/>
             <a:p>
               <a:r>
-                <a:rPr lang="en-US" dirty="0" smtClean="0"/>
+                <a:rPr lang="en-US" dirty="0"/>
                 <a:t>Greek</a:t>
               </a:r>
-              <a:endParaRPr lang="en-US" dirty="0"/>
             </a:p>
           </p:txBody>
         </p:sp>
@@ -19258,10 +18798,9 @@
             <a:lstStyle/>
             <a:p>
               <a:r>
-                <a:rPr lang="en-US" dirty="0" smtClean="0"/>
+                <a:rPr lang="en-US" dirty="0"/>
                 <a:t>Latin</a:t>
               </a:r>
-              <a:endParaRPr lang="en-US" dirty="0"/>
             </a:p>
           </p:txBody>
         </p:sp>
@@ -19288,10 +18827,9 @@
             <a:lstStyle/>
             <a:p>
               <a:r>
-                <a:rPr lang="en-US" dirty="0" smtClean="0"/>
+                <a:rPr lang="en-US" dirty="0"/>
                 <a:t>French</a:t>
               </a:r>
-              <a:endParaRPr lang="en-US" dirty="0"/>
             </a:p>
           </p:txBody>
         </p:sp>
@@ -19318,10 +18856,9 @@
             <a:lstStyle/>
             <a:p>
               <a:r>
-                <a:rPr lang="en-US" dirty="0" smtClean="0"/>
+                <a:rPr lang="en-US" dirty="0"/>
                 <a:t>Catalan</a:t>
               </a:r>
-              <a:endParaRPr lang="en-US" dirty="0"/>
             </a:p>
           </p:txBody>
         </p:sp>
@@ -19348,10 +18885,9 @@
             <a:lstStyle/>
             <a:p>
               <a:r>
-                <a:rPr lang="en-US" dirty="0" smtClean="0"/>
+                <a:rPr lang="en-US" dirty="0"/>
                 <a:t>Romanian</a:t>
               </a:r>
-              <a:endParaRPr lang="en-US" dirty="0"/>
             </a:p>
           </p:txBody>
         </p:sp>
@@ -19378,10 +18914,9 @@
             <a:lstStyle/>
             <a:p>
               <a:r>
-                <a:rPr lang="en-US" dirty="0" smtClean="0"/>
+                <a:rPr lang="en-US" dirty="0"/>
                 <a:t>Lithuanian</a:t>
               </a:r>
-              <a:endParaRPr lang="en-US" dirty="0"/>
             </a:p>
           </p:txBody>
         </p:sp>
@@ -19408,10 +18943,9 @@
             <a:lstStyle/>
             <a:p>
               <a:r>
-                <a:rPr lang="en-US" dirty="0" smtClean="0"/>
+                <a:rPr lang="en-US" dirty="0"/>
                 <a:t>Russian</a:t>
               </a:r>
-              <a:endParaRPr lang="en-US" dirty="0"/>
             </a:p>
           </p:txBody>
         </p:sp>
@@ -19438,10 +18972,9 @@
             <a:lstStyle/>
             <a:p>
               <a:r>
-                <a:rPr lang="en-US" dirty="0" smtClean="0"/>
+                <a:rPr lang="en-US" dirty="0"/>
                 <a:t>Polish</a:t>
               </a:r>
-              <a:endParaRPr lang="en-US" dirty="0"/>
             </a:p>
           </p:txBody>
         </p:sp>
@@ -19468,10 +19001,9 @@
             <a:lstStyle/>
             <a:p>
               <a:r>
-                <a:rPr lang="en-US" dirty="0" smtClean="0"/>
+                <a:rPr lang="en-US" dirty="0"/>
                 <a:t>Old English</a:t>
               </a:r>
-              <a:endParaRPr lang="en-US" dirty="0"/>
             </a:p>
           </p:txBody>
         </p:sp>
@@ -19498,10 +19030,9 @@
             <a:lstStyle/>
             <a:p>
               <a:r>
-                <a:rPr lang="en-US" dirty="0" smtClean="0"/>
+                <a:rPr lang="en-US" dirty="0"/>
                 <a:t>Modern English</a:t>
               </a:r>
-              <a:endParaRPr lang="en-US" dirty="0"/>
             </a:p>
           </p:txBody>
         </p:sp>
@@ -19528,7 +19059,7 @@
             <a:lstStyle/>
             <a:p>
               <a:r>
-                <a:rPr lang="en-US" dirty="0" smtClean="0"/>
+                <a:rPr lang="en-US" dirty="0"/>
                 <a:t>German</a:t>
               </a:r>
             </a:p>
@@ -20316,10 +19847,9 @@
             <a:lstStyle/>
             <a:p>
               <a:r>
-                <a:rPr lang="en-US" dirty="0" smtClean="0"/>
+                <a:rPr lang="en-US" dirty="0"/>
                 <a:t>Old High German</a:t>
               </a:r>
-              <a:endParaRPr lang="en-US" dirty="0"/>
             </a:p>
           </p:txBody>
         </p:sp>
@@ -20526,10 +20056,9 @@
           <a:lstStyle/>
           <a:p>
             <a:r>
-              <a:rPr lang="en-US" dirty="0" smtClean="0"/>
+              <a:rPr lang="en-US" dirty="0"/>
               <a:t>Some non-Indo-European Languages</a:t>
             </a:r>
-            <a:endParaRPr lang="en-US" dirty="0"/>
           </a:p>
         </p:txBody>
       </p:sp>
@@ -20559,72 +20088,63 @@
               <a:rPr lang="en-US" dirty="0"/>
               <a:t>Altaic </a:t>
             </a:r>
-            <a:endParaRPr lang="en-US" dirty="0" smtClean="0"/>
           </a:p>
           <a:p>
             <a:pPr lvl="1"/>
             <a:r>
-              <a:rPr lang="en-US" dirty="0" smtClean="0"/>
+              <a:rPr lang="en-US" dirty="0"/>
               <a:t>Turkish</a:t>
             </a:r>
           </a:p>
           <a:p>
             <a:r>
-              <a:rPr lang="en-US" dirty="0" smtClean="0"/>
-              <a:t>Uralic </a:t>
-            </a:r>
-            <a:r>
               <a:rPr lang="en-US" dirty="0"/>
-              <a:t>(</a:t>
-            </a:r>
-            <a:r>
-              <a:rPr lang="en-US" dirty="0" smtClean="0"/>
-              <a:t>Finno-Ugric)</a:t>
+              <a:t>Uralic (Finno-Ugric)</a:t>
             </a:r>
           </a:p>
           <a:p>
             <a:pPr lvl="1"/>
             <a:r>
-              <a:rPr lang="en-US" dirty="0" smtClean="0"/>
+              <a:rPr lang="en-US" dirty="0"/>
               <a:t>Finnish</a:t>
             </a:r>
           </a:p>
           <a:p>
             <a:pPr lvl="1"/>
             <a:r>
-              <a:rPr lang="en-US" dirty="0" smtClean="0"/>
+              <a:rPr lang="en-US" dirty="0"/>
               <a:t>Hungarian</a:t>
             </a:r>
           </a:p>
           <a:p>
             <a:r>
-              <a:rPr lang="en-US" dirty="0" smtClean="0"/>
+              <a:rPr lang="en-US" dirty="0"/>
               <a:t>Semitic</a:t>
             </a:r>
           </a:p>
           <a:p>
             <a:pPr lvl="1"/>
             <a:r>
-              <a:rPr lang="en-US" dirty="0" smtClean="0"/>
+              <a:rPr lang="en-US" dirty="0"/>
               <a:t>Arabic</a:t>
             </a:r>
           </a:p>
           <a:p>
             <a:pPr lvl="1"/>
             <a:r>
-              <a:rPr lang="en-US" dirty="0" smtClean="0"/>
+              <a:rPr lang="en-US" dirty="0"/>
               <a:t>Hebrew</a:t>
             </a:r>
           </a:p>
           <a:p>
             <a:r>
-              <a:rPr lang="en-US" dirty="0" smtClean="0"/>
+              <a:rPr lang="en-US" dirty="0"/>
               <a:t>Uto-Aztecan</a:t>
             </a:r>
           </a:p>
           <a:p>
             <a:pPr lvl="1"/>
-            <a:endParaRPr lang="en-US" dirty="0" smtClean="0"/>
+            <a:endParaRPr lang="en-US" dirty="0"/>
           </a:p>
         </p:txBody>
       </p:sp>
